--- a/강의자료.pptx
+++ b/강의자료.pptx
@@ -19,6 +19,13 @@
     <p:sldId id="267" r:id="rId13"/>
     <p:sldId id="268" r:id="rId14"/>
     <p:sldId id="269" r:id="rId15"/>
+    <p:sldId id="270" r:id="rId16"/>
+    <p:sldId id="271" r:id="rId17"/>
+    <p:sldId id="272" r:id="rId18"/>
+    <p:sldId id="273" r:id="rId19"/>
+    <p:sldId id="274" r:id="rId20"/>
+    <p:sldId id="275" r:id="rId21"/>
+    <p:sldId id="276" r:id="rId22"/>
   </p:sldIdLst>
   <p:sldSz cx="9144000" cy="6858000" type="screen4x3"/>
   <p:notesSz cx="6858000" cy="9144000"/>
@@ -301,7 +308,8 @@
           <a:p>
             <a:fld id="{8EBAC7CD-F798-485F-AE16-EEF1BAD33B6A}" type="datetimeFigureOut">
               <a:rPr lang="ko-KR" altLang="en-US" smtClean="0"/>
-              <a:t>2018-07-02</a:t>
+              <a:pPr/>
+              <a:t>2018-07-03</a:t>
             </a:fld>
             <a:endParaRPr lang="ko-KR" altLang="en-US"/>
           </a:p>
@@ -343,6 +351,7 @@
           <a:p>
             <a:fld id="{83B1A725-F5C1-48CD-8ED5-13DEA7FC55D3}" type="slidenum">
               <a:rPr lang="ko-KR" altLang="en-US" smtClean="0"/>
+              <a:pPr/>
               <a:t>‹#›</a:t>
             </a:fld>
             <a:endParaRPr lang="ko-KR" altLang="en-US"/>
@@ -466,7 +475,8 @@
           <a:p>
             <a:fld id="{8EBAC7CD-F798-485F-AE16-EEF1BAD33B6A}" type="datetimeFigureOut">
               <a:rPr lang="ko-KR" altLang="en-US" smtClean="0"/>
-              <a:t>2018-07-02</a:t>
+              <a:pPr/>
+              <a:t>2018-07-03</a:t>
             </a:fld>
             <a:endParaRPr lang="ko-KR" altLang="en-US"/>
           </a:p>
@@ -508,6 +518,7 @@
           <a:p>
             <a:fld id="{83B1A725-F5C1-48CD-8ED5-13DEA7FC55D3}" type="slidenum">
               <a:rPr lang="ko-KR" altLang="en-US" smtClean="0"/>
+              <a:pPr/>
               <a:t>‹#›</a:t>
             </a:fld>
             <a:endParaRPr lang="ko-KR" altLang="en-US"/>
@@ -641,7 +652,8 @@
           <a:p>
             <a:fld id="{8EBAC7CD-F798-485F-AE16-EEF1BAD33B6A}" type="datetimeFigureOut">
               <a:rPr lang="ko-KR" altLang="en-US" smtClean="0"/>
-              <a:t>2018-07-02</a:t>
+              <a:pPr/>
+              <a:t>2018-07-03</a:t>
             </a:fld>
             <a:endParaRPr lang="ko-KR" altLang="en-US"/>
           </a:p>
@@ -683,6 +695,7 @@
           <a:p>
             <a:fld id="{83B1A725-F5C1-48CD-8ED5-13DEA7FC55D3}" type="slidenum">
               <a:rPr lang="ko-KR" altLang="en-US" smtClean="0"/>
+              <a:pPr/>
               <a:t>‹#›</a:t>
             </a:fld>
             <a:endParaRPr lang="ko-KR" altLang="en-US"/>
@@ -806,7 +819,8 @@
           <a:p>
             <a:fld id="{8EBAC7CD-F798-485F-AE16-EEF1BAD33B6A}" type="datetimeFigureOut">
               <a:rPr lang="ko-KR" altLang="en-US" smtClean="0"/>
-              <a:t>2018-07-02</a:t>
+              <a:pPr/>
+              <a:t>2018-07-03</a:t>
             </a:fld>
             <a:endParaRPr lang="ko-KR" altLang="en-US"/>
           </a:p>
@@ -848,6 +862,7 @@
           <a:p>
             <a:fld id="{83B1A725-F5C1-48CD-8ED5-13DEA7FC55D3}" type="slidenum">
               <a:rPr lang="ko-KR" altLang="en-US" smtClean="0"/>
+              <a:pPr/>
               <a:t>‹#›</a:t>
             </a:fld>
             <a:endParaRPr lang="ko-KR" altLang="en-US"/>
@@ -1047,7 +1062,8 @@
           <a:p>
             <a:fld id="{8EBAC7CD-F798-485F-AE16-EEF1BAD33B6A}" type="datetimeFigureOut">
               <a:rPr lang="ko-KR" altLang="en-US" smtClean="0"/>
-              <a:t>2018-07-02</a:t>
+              <a:pPr/>
+              <a:t>2018-07-03</a:t>
             </a:fld>
             <a:endParaRPr lang="ko-KR" altLang="en-US"/>
           </a:p>
@@ -1089,6 +1105,7 @@
           <a:p>
             <a:fld id="{83B1A725-F5C1-48CD-8ED5-13DEA7FC55D3}" type="slidenum">
               <a:rPr lang="ko-KR" altLang="en-US" smtClean="0"/>
+              <a:pPr/>
               <a:t>‹#›</a:t>
             </a:fld>
             <a:endParaRPr lang="ko-KR" altLang="en-US"/>
@@ -1330,7 +1347,8 @@
           <a:p>
             <a:fld id="{8EBAC7CD-F798-485F-AE16-EEF1BAD33B6A}" type="datetimeFigureOut">
               <a:rPr lang="ko-KR" altLang="en-US" smtClean="0"/>
-              <a:t>2018-07-02</a:t>
+              <a:pPr/>
+              <a:t>2018-07-03</a:t>
             </a:fld>
             <a:endParaRPr lang="ko-KR" altLang="en-US"/>
           </a:p>
@@ -1372,6 +1390,7 @@
           <a:p>
             <a:fld id="{83B1A725-F5C1-48CD-8ED5-13DEA7FC55D3}" type="slidenum">
               <a:rPr lang="ko-KR" altLang="en-US" smtClean="0"/>
+              <a:pPr/>
               <a:t>‹#›</a:t>
             </a:fld>
             <a:endParaRPr lang="ko-KR" altLang="en-US"/>
@@ -1747,7 +1766,8 @@
           <a:p>
             <a:fld id="{8EBAC7CD-F798-485F-AE16-EEF1BAD33B6A}" type="datetimeFigureOut">
               <a:rPr lang="ko-KR" altLang="en-US" smtClean="0"/>
-              <a:t>2018-07-02</a:t>
+              <a:pPr/>
+              <a:t>2018-07-03</a:t>
             </a:fld>
             <a:endParaRPr lang="ko-KR" altLang="en-US"/>
           </a:p>
@@ -1789,6 +1809,7 @@
           <a:p>
             <a:fld id="{83B1A725-F5C1-48CD-8ED5-13DEA7FC55D3}" type="slidenum">
               <a:rPr lang="ko-KR" altLang="en-US" smtClean="0"/>
+              <a:pPr/>
               <a:t>‹#›</a:t>
             </a:fld>
             <a:endParaRPr lang="ko-KR" altLang="en-US"/>
@@ -1860,7 +1881,8 @@
           <a:p>
             <a:fld id="{8EBAC7CD-F798-485F-AE16-EEF1BAD33B6A}" type="datetimeFigureOut">
               <a:rPr lang="ko-KR" altLang="en-US" smtClean="0"/>
-              <a:t>2018-07-02</a:t>
+              <a:pPr/>
+              <a:t>2018-07-03</a:t>
             </a:fld>
             <a:endParaRPr lang="ko-KR" altLang="en-US"/>
           </a:p>
@@ -1902,6 +1924,7 @@
           <a:p>
             <a:fld id="{83B1A725-F5C1-48CD-8ED5-13DEA7FC55D3}" type="slidenum">
               <a:rPr lang="ko-KR" altLang="en-US" smtClean="0"/>
+              <a:pPr/>
               <a:t>‹#›</a:t>
             </a:fld>
             <a:endParaRPr lang="ko-KR" altLang="en-US"/>
@@ -1950,7 +1973,8 @@
           <a:p>
             <a:fld id="{8EBAC7CD-F798-485F-AE16-EEF1BAD33B6A}" type="datetimeFigureOut">
               <a:rPr lang="ko-KR" altLang="en-US" smtClean="0"/>
-              <a:t>2018-07-02</a:t>
+              <a:pPr/>
+              <a:t>2018-07-03</a:t>
             </a:fld>
             <a:endParaRPr lang="ko-KR" altLang="en-US"/>
           </a:p>
@@ -1992,6 +2016,7 @@
           <a:p>
             <a:fld id="{83B1A725-F5C1-48CD-8ED5-13DEA7FC55D3}" type="slidenum">
               <a:rPr lang="ko-KR" altLang="en-US" smtClean="0"/>
+              <a:pPr/>
               <a:t>‹#›</a:t>
             </a:fld>
             <a:endParaRPr lang="ko-KR" altLang="en-US"/>
@@ -2222,7 +2247,8 @@
           <a:p>
             <a:fld id="{8EBAC7CD-F798-485F-AE16-EEF1BAD33B6A}" type="datetimeFigureOut">
               <a:rPr lang="ko-KR" altLang="en-US" smtClean="0"/>
-              <a:t>2018-07-02</a:t>
+              <a:pPr/>
+              <a:t>2018-07-03</a:t>
             </a:fld>
             <a:endParaRPr lang="ko-KR" altLang="en-US"/>
           </a:p>
@@ -2264,6 +2290,7 @@
           <a:p>
             <a:fld id="{83B1A725-F5C1-48CD-8ED5-13DEA7FC55D3}" type="slidenum">
               <a:rPr lang="ko-KR" altLang="en-US" smtClean="0"/>
+              <a:pPr/>
               <a:t>‹#›</a:t>
             </a:fld>
             <a:endParaRPr lang="ko-KR" altLang="en-US"/>
@@ -2470,7 +2497,8 @@
           <a:p>
             <a:fld id="{8EBAC7CD-F798-485F-AE16-EEF1BAD33B6A}" type="datetimeFigureOut">
               <a:rPr lang="ko-KR" altLang="en-US" smtClean="0"/>
-              <a:t>2018-07-02</a:t>
+              <a:pPr/>
+              <a:t>2018-07-03</a:t>
             </a:fld>
             <a:endParaRPr lang="ko-KR" altLang="en-US"/>
           </a:p>
@@ -2512,6 +2540,7 @@
           <a:p>
             <a:fld id="{83B1A725-F5C1-48CD-8ED5-13DEA7FC55D3}" type="slidenum">
               <a:rPr lang="ko-KR" altLang="en-US" smtClean="0"/>
+              <a:pPr/>
               <a:t>‹#›</a:t>
             </a:fld>
             <a:endParaRPr lang="ko-KR" altLang="en-US"/>
@@ -2678,7 +2707,8 @@
           <a:p>
             <a:fld id="{8EBAC7CD-F798-485F-AE16-EEF1BAD33B6A}" type="datetimeFigureOut">
               <a:rPr lang="ko-KR" altLang="en-US" smtClean="0"/>
-              <a:t>2018-07-02</a:t>
+              <a:pPr/>
+              <a:t>2018-07-03</a:t>
             </a:fld>
             <a:endParaRPr lang="ko-KR" altLang="en-US"/>
           </a:p>
@@ -2756,6 +2786,7 @@
           <a:p>
             <a:fld id="{83B1A725-F5C1-48CD-8ED5-13DEA7FC55D3}" type="slidenum">
               <a:rPr lang="ko-KR" altLang="en-US" smtClean="0"/>
+              <a:pPr/>
               <a:t>‹#›</a:t>
             </a:fld>
             <a:endParaRPr lang="ko-KR" altLang="en-US"/>
@@ -31227,13 +31258,7 @@
               <a:rPr lang="en-US" altLang="ko-KR" smtClean="0">
                 <a:latin typeface="Consolas" panose="020B0609020204030204" pitchFamily="49" charset="0"/>
               </a:rPr>
-              <a:t>t</a:t>
-            </a:r>
-            <a:r>
-              <a:rPr lang="en-US" altLang="ko-KR" smtClean="0">
-                <a:latin typeface="Consolas" panose="020B0609020204030204" pitchFamily="49" charset="0"/>
-              </a:rPr>
-              <a:t>(</a:t>
+              <a:t>t(</a:t>
             </a:r>
             <a:r>
               <a:rPr lang="ko-KR" altLang="en-US" smtClean="0">
@@ -31253,6 +31278,1646 @@
           </a:p>
         </p:txBody>
       </p:sp>
+    </p:spTree>
+  </p:cSld>
+  <p:clrMapOvr>
+    <a:masterClrMapping/>
+  </p:clrMapOvr>
+</p:sld>
+</file>
+
+<file path=ppt/slides/slide15.xml><?xml version="1.0" encoding="utf-8"?>
+<p:sld xmlns:a="http://schemas.openxmlformats.org/drawingml/2006/main" xmlns:r="http://schemas.openxmlformats.org/officeDocument/2006/relationships" xmlns:p="http://schemas.openxmlformats.org/presentationml/2006/main">
+  <p:cSld>
+    <p:spTree>
+      <p:nvGrpSpPr>
+        <p:cNvPr id="1" name=""/>
+        <p:cNvGrpSpPr/>
+        <p:nvPr/>
+      </p:nvGrpSpPr>
+      <p:grpSpPr>
+        <a:xfrm>
+          <a:off x="0" y="0"/>
+          <a:ext cx="0" cy="0"/>
+          <a:chOff x="0" y="0"/>
+          <a:chExt cx="0" cy="0"/>
+        </a:xfrm>
+      </p:grpSpPr>
+      <p:sp>
+        <p:nvSpPr>
+          <p:cNvPr id="4" name="직사각형 3"/>
+          <p:cNvSpPr/>
+          <p:nvPr/>
+        </p:nvSpPr>
+        <p:spPr>
+          <a:xfrm>
+            <a:off x="1547664" y="692696"/>
+            <a:ext cx="864096" cy="936104"/>
+          </a:xfrm>
+          <a:prstGeom prst="rect">
+            <a:avLst/>
+          </a:prstGeom>
+          <a:solidFill>
+            <a:srgbClr val="FFFF00"/>
+          </a:solidFill>
+        </p:spPr>
+        <p:style>
+          <a:lnRef idx="2">
+            <a:schemeClr val="accent1">
+              <a:shade val="50000"/>
+            </a:schemeClr>
+          </a:lnRef>
+          <a:fillRef idx="1">
+            <a:schemeClr val="accent1"/>
+          </a:fillRef>
+          <a:effectRef idx="0">
+            <a:schemeClr val="accent1"/>
+          </a:effectRef>
+          <a:fontRef idx="minor">
+            <a:schemeClr val="lt1"/>
+          </a:fontRef>
+        </p:style>
+        <p:txBody>
+          <a:bodyPr rtlCol="0" anchor="ctr"/>
+          <a:lstStyle/>
+          <a:p>
+            <a:pPr algn="ctr"/>
+            <a:endParaRPr lang="ko-KR" altLang="en-US" sz="2000">
+              <a:solidFill>
+                <a:schemeClr val="tx1"/>
+              </a:solidFill>
+              <a:latin typeface="Consolas" pitchFamily="49" charset="0"/>
+              <a:cs typeface="Consolas" pitchFamily="49" charset="0"/>
+            </a:endParaRPr>
+          </a:p>
+        </p:txBody>
+      </p:sp>
+      <p:sp>
+        <p:nvSpPr>
+          <p:cNvPr id="5" name="직사각형 4"/>
+          <p:cNvSpPr/>
+          <p:nvPr/>
+        </p:nvSpPr>
+        <p:spPr>
+          <a:xfrm>
+            <a:off x="1547664" y="2636912"/>
+            <a:ext cx="864096" cy="432048"/>
+          </a:xfrm>
+          <a:prstGeom prst="rect">
+            <a:avLst/>
+          </a:prstGeom>
+          <a:solidFill>
+            <a:srgbClr val="FFFF00"/>
+          </a:solidFill>
+        </p:spPr>
+        <p:style>
+          <a:lnRef idx="2">
+            <a:schemeClr val="accent1">
+              <a:shade val="50000"/>
+            </a:schemeClr>
+          </a:lnRef>
+          <a:fillRef idx="1">
+            <a:schemeClr val="accent1"/>
+          </a:fillRef>
+          <a:effectRef idx="0">
+            <a:schemeClr val="accent1"/>
+          </a:effectRef>
+          <a:fontRef idx="minor">
+            <a:schemeClr val="lt1"/>
+          </a:fontRef>
+        </p:style>
+        <p:txBody>
+          <a:bodyPr rtlCol="0" anchor="ctr"/>
+          <a:lstStyle/>
+          <a:p>
+            <a:pPr algn="ctr"/>
+            <a:r>
+              <a:rPr lang="en-US" altLang="ko-KR" sz="2000" smtClean="0">
+                <a:solidFill>
+                  <a:schemeClr val="tx1"/>
+                </a:solidFill>
+                <a:latin typeface="Consolas" pitchFamily="49" charset="0"/>
+                <a:cs typeface="Consolas" pitchFamily="49" charset="0"/>
+              </a:rPr>
+              <a:t>*</a:t>
+            </a:r>
+            <a:endParaRPr lang="ko-KR" altLang="en-US" sz="2000">
+              <a:solidFill>
+                <a:schemeClr val="tx1"/>
+              </a:solidFill>
+              <a:latin typeface="Consolas" pitchFamily="49" charset="0"/>
+              <a:cs typeface="Consolas" pitchFamily="49" charset="0"/>
+            </a:endParaRPr>
+          </a:p>
+        </p:txBody>
+      </p:sp>
+      <p:cxnSp>
+        <p:nvCxnSpPr>
+          <p:cNvPr id="7" name="직선 화살표 연결선 6"/>
+          <p:cNvCxnSpPr>
+            <a:stCxn id="5" idx="0"/>
+            <a:endCxn id="4" idx="2"/>
+          </p:cNvCxnSpPr>
+          <p:nvPr/>
+        </p:nvCxnSpPr>
+        <p:spPr>
+          <a:xfrm rot="5400000" flipH="1" flipV="1">
+            <a:off x="1475656" y="2132856"/>
+            <a:ext cx="1008112" cy="1588"/>
+          </a:xfrm>
+          <a:prstGeom prst="straightConnector1">
+            <a:avLst/>
+          </a:prstGeom>
+          <a:ln>
+            <a:tailEnd type="arrow"/>
+          </a:ln>
+        </p:spPr>
+        <p:style>
+          <a:lnRef idx="2">
+            <a:schemeClr val="dk1"/>
+          </a:lnRef>
+          <a:fillRef idx="0">
+            <a:schemeClr val="dk1"/>
+          </a:fillRef>
+          <a:effectRef idx="1">
+            <a:schemeClr val="dk1"/>
+          </a:effectRef>
+          <a:fontRef idx="minor">
+            <a:schemeClr val="tx1"/>
+          </a:fontRef>
+        </p:style>
+      </p:cxnSp>
+      <p:sp>
+        <p:nvSpPr>
+          <p:cNvPr id="8" name="직사각형 7"/>
+          <p:cNvSpPr/>
+          <p:nvPr/>
+        </p:nvSpPr>
+        <p:spPr>
+          <a:xfrm>
+            <a:off x="4139952" y="692696"/>
+            <a:ext cx="864096" cy="936104"/>
+          </a:xfrm>
+          <a:prstGeom prst="rect">
+            <a:avLst/>
+          </a:prstGeom>
+          <a:solidFill>
+            <a:srgbClr val="FFFF00"/>
+          </a:solidFill>
+        </p:spPr>
+        <p:style>
+          <a:lnRef idx="2">
+            <a:schemeClr val="accent1">
+              <a:shade val="50000"/>
+            </a:schemeClr>
+          </a:lnRef>
+          <a:fillRef idx="1">
+            <a:schemeClr val="accent1"/>
+          </a:fillRef>
+          <a:effectRef idx="0">
+            <a:schemeClr val="accent1"/>
+          </a:effectRef>
+          <a:fontRef idx="minor">
+            <a:schemeClr val="lt1"/>
+          </a:fontRef>
+        </p:style>
+        <p:txBody>
+          <a:bodyPr rtlCol="0" anchor="ctr"/>
+          <a:lstStyle/>
+          <a:p>
+            <a:pPr algn="ctr"/>
+            <a:endParaRPr lang="ko-KR" altLang="en-US" sz="2000">
+              <a:solidFill>
+                <a:schemeClr val="tx1"/>
+              </a:solidFill>
+              <a:latin typeface="Consolas" pitchFamily="49" charset="0"/>
+              <a:cs typeface="Consolas" pitchFamily="49" charset="0"/>
+            </a:endParaRPr>
+          </a:p>
+        </p:txBody>
+      </p:sp>
+      <p:sp>
+        <p:nvSpPr>
+          <p:cNvPr id="9" name="직사각형 8"/>
+          <p:cNvSpPr/>
+          <p:nvPr/>
+        </p:nvSpPr>
+        <p:spPr>
+          <a:xfrm>
+            <a:off x="4139952" y="2636912"/>
+            <a:ext cx="864096" cy="432048"/>
+          </a:xfrm>
+          <a:prstGeom prst="rect">
+            <a:avLst/>
+          </a:prstGeom>
+          <a:solidFill>
+            <a:srgbClr val="FFFF00"/>
+          </a:solidFill>
+        </p:spPr>
+        <p:style>
+          <a:lnRef idx="2">
+            <a:schemeClr val="accent1">
+              <a:shade val="50000"/>
+            </a:schemeClr>
+          </a:lnRef>
+          <a:fillRef idx="1">
+            <a:schemeClr val="accent1"/>
+          </a:fillRef>
+          <a:effectRef idx="0">
+            <a:schemeClr val="accent1"/>
+          </a:effectRef>
+          <a:fontRef idx="minor">
+            <a:schemeClr val="lt1"/>
+          </a:fontRef>
+        </p:style>
+        <p:txBody>
+          <a:bodyPr rtlCol="0" anchor="ctr"/>
+          <a:lstStyle/>
+          <a:p>
+            <a:pPr algn="ctr"/>
+            <a:r>
+              <a:rPr lang="en-US" altLang="ko-KR" sz="2000" smtClean="0">
+                <a:solidFill>
+                  <a:schemeClr val="tx1"/>
+                </a:solidFill>
+                <a:latin typeface="Consolas" pitchFamily="49" charset="0"/>
+                <a:cs typeface="Consolas" pitchFamily="49" charset="0"/>
+              </a:rPr>
+              <a:t>*</a:t>
+            </a:r>
+            <a:endParaRPr lang="ko-KR" altLang="en-US" sz="2000">
+              <a:solidFill>
+                <a:schemeClr val="tx1"/>
+              </a:solidFill>
+              <a:latin typeface="Consolas" pitchFamily="49" charset="0"/>
+              <a:cs typeface="Consolas" pitchFamily="49" charset="0"/>
+            </a:endParaRPr>
+          </a:p>
+        </p:txBody>
+      </p:sp>
+      <p:cxnSp>
+        <p:nvCxnSpPr>
+          <p:cNvPr id="10" name="직선 화살표 연결선 9"/>
+          <p:cNvCxnSpPr>
+            <a:stCxn id="9" idx="0"/>
+            <a:endCxn id="8" idx="2"/>
+          </p:cNvCxnSpPr>
+          <p:nvPr/>
+        </p:nvCxnSpPr>
+        <p:spPr>
+          <a:xfrm rot="5400000" flipH="1" flipV="1">
+            <a:off x="4067944" y="2132856"/>
+            <a:ext cx="1008112" cy="1588"/>
+          </a:xfrm>
+          <a:prstGeom prst="straightConnector1">
+            <a:avLst/>
+          </a:prstGeom>
+          <a:ln>
+            <a:tailEnd type="arrow"/>
+          </a:ln>
+        </p:spPr>
+        <p:style>
+          <a:lnRef idx="2">
+            <a:schemeClr val="dk1"/>
+          </a:lnRef>
+          <a:fillRef idx="0">
+            <a:schemeClr val="dk1"/>
+          </a:fillRef>
+          <a:effectRef idx="1">
+            <a:schemeClr val="dk1"/>
+          </a:effectRef>
+          <a:fontRef idx="minor">
+            <a:schemeClr val="tx1"/>
+          </a:fontRef>
+        </p:style>
+      </p:cxnSp>
+      <p:sp>
+        <p:nvSpPr>
+          <p:cNvPr id="11" name="TextBox 10"/>
+          <p:cNvSpPr txBox="1"/>
+          <p:nvPr/>
+        </p:nvSpPr>
+        <p:spPr>
+          <a:xfrm>
+            <a:off x="251520" y="116632"/>
+            <a:ext cx="2018501" cy="400110"/>
+          </a:xfrm>
+          <a:prstGeom prst="rect">
+            <a:avLst/>
+          </a:prstGeom>
+          <a:noFill/>
+        </p:spPr>
+        <p:txBody>
+          <a:bodyPr wrap="none" rtlCol="0">
+            <a:spAutoFit/>
+          </a:bodyPr>
+          <a:lstStyle/>
+          <a:p>
+            <a:r>
+              <a:rPr lang="en-US" altLang="ko-KR" sz="2000" smtClean="0">
+                <a:latin typeface="Consolas" pitchFamily="49" charset="0"/>
+                <a:cs typeface="Consolas" pitchFamily="49" charset="0"/>
+              </a:rPr>
+              <a:t>&lt; deep copy &gt;</a:t>
+            </a:r>
+            <a:endParaRPr lang="ko-KR" altLang="en-US" sz="2000" smtClean="0">
+              <a:latin typeface="Consolas" pitchFamily="49" charset="0"/>
+              <a:cs typeface="Consolas" pitchFamily="49" charset="0"/>
+            </a:endParaRPr>
+          </a:p>
+        </p:txBody>
+      </p:sp>
+      <p:sp>
+        <p:nvSpPr>
+          <p:cNvPr id="12" name="직사각형 11"/>
+          <p:cNvSpPr/>
+          <p:nvPr/>
+        </p:nvSpPr>
+        <p:spPr>
+          <a:xfrm>
+            <a:off x="1619672" y="4149080"/>
+            <a:ext cx="864096" cy="936104"/>
+          </a:xfrm>
+          <a:prstGeom prst="rect">
+            <a:avLst/>
+          </a:prstGeom>
+          <a:solidFill>
+            <a:srgbClr val="FFFF00"/>
+          </a:solidFill>
+        </p:spPr>
+        <p:style>
+          <a:lnRef idx="2">
+            <a:schemeClr val="accent1">
+              <a:shade val="50000"/>
+            </a:schemeClr>
+          </a:lnRef>
+          <a:fillRef idx="1">
+            <a:schemeClr val="accent1"/>
+          </a:fillRef>
+          <a:effectRef idx="0">
+            <a:schemeClr val="accent1"/>
+          </a:effectRef>
+          <a:fontRef idx="minor">
+            <a:schemeClr val="lt1"/>
+          </a:fontRef>
+        </p:style>
+        <p:txBody>
+          <a:bodyPr rtlCol="0" anchor="ctr"/>
+          <a:lstStyle/>
+          <a:p>
+            <a:pPr algn="ctr"/>
+            <a:endParaRPr lang="ko-KR" altLang="en-US" sz="2000">
+              <a:solidFill>
+                <a:schemeClr val="tx1"/>
+              </a:solidFill>
+              <a:latin typeface="Consolas" pitchFamily="49" charset="0"/>
+              <a:cs typeface="Consolas" pitchFamily="49" charset="0"/>
+            </a:endParaRPr>
+          </a:p>
+        </p:txBody>
+      </p:sp>
+      <p:sp>
+        <p:nvSpPr>
+          <p:cNvPr id="13" name="직사각형 12"/>
+          <p:cNvSpPr/>
+          <p:nvPr/>
+        </p:nvSpPr>
+        <p:spPr>
+          <a:xfrm>
+            <a:off x="1619672" y="6093296"/>
+            <a:ext cx="864096" cy="432048"/>
+          </a:xfrm>
+          <a:prstGeom prst="rect">
+            <a:avLst/>
+          </a:prstGeom>
+          <a:solidFill>
+            <a:srgbClr val="FFFF00"/>
+          </a:solidFill>
+        </p:spPr>
+        <p:style>
+          <a:lnRef idx="2">
+            <a:schemeClr val="accent1">
+              <a:shade val="50000"/>
+            </a:schemeClr>
+          </a:lnRef>
+          <a:fillRef idx="1">
+            <a:schemeClr val="accent1"/>
+          </a:fillRef>
+          <a:effectRef idx="0">
+            <a:schemeClr val="accent1"/>
+          </a:effectRef>
+          <a:fontRef idx="minor">
+            <a:schemeClr val="lt1"/>
+          </a:fontRef>
+        </p:style>
+        <p:txBody>
+          <a:bodyPr rtlCol="0" anchor="ctr"/>
+          <a:lstStyle/>
+          <a:p>
+            <a:pPr algn="ctr"/>
+            <a:r>
+              <a:rPr lang="en-US" altLang="ko-KR" sz="2000" smtClean="0">
+                <a:solidFill>
+                  <a:schemeClr val="tx1"/>
+                </a:solidFill>
+                <a:latin typeface="Consolas" pitchFamily="49" charset="0"/>
+                <a:cs typeface="Consolas" pitchFamily="49" charset="0"/>
+              </a:rPr>
+              <a:t>*</a:t>
+            </a:r>
+            <a:endParaRPr lang="ko-KR" altLang="en-US" sz="2000">
+              <a:solidFill>
+                <a:schemeClr val="tx1"/>
+              </a:solidFill>
+              <a:latin typeface="Consolas" pitchFamily="49" charset="0"/>
+              <a:cs typeface="Consolas" pitchFamily="49" charset="0"/>
+            </a:endParaRPr>
+          </a:p>
+        </p:txBody>
+      </p:sp>
+      <p:cxnSp>
+        <p:nvCxnSpPr>
+          <p:cNvPr id="14" name="직선 화살표 연결선 13"/>
+          <p:cNvCxnSpPr>
+            <a:stCxn id="13" idx="0"/>
+            <a:endCxn id="12" idx="2"/>
+          </p:cNvCxnSpPr>
+          <p:nvPr/>
+        </p:nvCxnSpPr>
+        <p:spPr>
+          <a:xfrm rot="5400000" flipH="1" flipV="1">
+            <a:off x="1547664" y="5589240"/>
+            <a:ext cx="1008112" cy="1588"/>
+          </a:xfrm>
+          <a:prstGeom prst="straightConnector1">
+            <a:avLst/>
+          </a:prstGeom>
+          <a:ln>
+            <a:tailEnd type="arrow"/>
+          </a:ln>
+        </p:spPr>
+        <p:style>
+          <a:lnRef idx="2">
+            <a:schemeClr val="dk1"/>
+          </a:lnRef>
+          <a:fillRef idx="0">
+            <a:schemeClr val="dk1"/>
+          </a:fillRef>
+          <a:effectRef idx="1">
+            <a:schemeClr val="dk1"/>
+          </a:effectRef>
+          <a:fontRef idx="minor">
+            <a:schemeClr val="tx1"/>
+          </a:fontRef>
+        </p:style>
+      </p:cxnSp>
+      <p:sp>
+        <p:nvSpPr>
+          <p:cNvPr id="16" name="직사각형 15"/>
+          <p:cNvSpPr/>
+          <p:nvPr/>
+        </p:nvSpPr>
+        <p:spPr>
+          <a:xfrm>
+            <a:off x="4211960" y="6093296"/>
+            <a:ext cx="864096" cy="432048"/>
+          </a:xfrm>
+          <a:prstGeom prst="rect">
+            <a:avLst/>
+          </a:prstGeom>
+          <a:solidFill>
+            <a:srgbClr val="FFFF00"/>
+          </a:solidFill>
+        </p:spPr>
+        <p:style>
+          <a:lnRef idx="2">
+            <a:schemeClr val="accent1">
+              <a:shade val="50000"/>
+            </a:schemeClr>
+          </a:lnRef>
+          <a:fillRef idx="1">
+            <a:schemeClr val="accent1"/>
+          </a:fillRef>
+          <a:effectRef idx="0">
+            <a:schemeClr val="accent1"/>
+          </a:effectRef>
+          <a:fontRef idx="minor">
+            <a:schemeClr val="lt1"/>
+          </a:fontRef>
+        </p:style>
+        <p:txBody>
+          <a:bodyPr rtlCol="0" anchor="ctr"/>
+          <a:lstStyle/>
+          <a:p>
+            <a:pPr algn="ctr"/>
+            <a:r>
+              <a:rPr lang="en-US" altLang="ko-KR" sz="2000" smtClean="0">
+                <a:solidFill>
+                  <a:schemeClr val="tx1"/>
+                </a:solidFill>
+                <a:latin typeface="Consolas" pitchFamily="49" charset="0"/>
+                <a:cs typeface="Consolas" pitchFamily="49" charset="0"/>
+              </a:rPr>
+              <a:t>*</a:t>
+            </a:r>
+            <a:endParaRPr lang="ko-KR" altLang="en-US" sz="2000">
+              <a:solidFill>
+                <a:schemeClr val="tx1"/>
+              </a:solidFill>
+              <a:latin typeface="Consolas" pitchFamily="49" charset="0"/>
+              <a:cs typeface="Consolas" pitchFamily="49" charset="0"/>
+            </a:endParaRPr>
+          </a:p>
+        </p:txBody>
+      </p:sp>
+      <p:cxnSp>
+        <p:nvCxnSpPr>
+          <p:cNvPr id="17" name="직선 화살표 연결선 16"/>
+          <p:cNvCxnSpPr>
+            <a:stCxn id="16" idx="0"/>
+            <a:endCxn id="12" idx="2"/>
+          </p:cNvCxnSpPr>
+          <p:nvPr/>
+        </p:nvCxnSpPr>
+        <p:spPr>
+          <a:xfrm rot="16200000" flipV="1">
+            <a:off x="2843808" y="4293096"/>
+            <a:ext cx="1008112" cy="2592288"/>
+          </a:xfrm>
+          <a:prstGeom prst="straightConnector1">
+            <a:avLst/>
+          </a:prstGeom>
+          <a:ln>
+            <a:tailEnd type="arrow"/>
+          </a:ln>
+        </p:spPr>
+        <p:style>
+          <a:lnRef idx="2">
+            <a:schemeClr val="dk1"/>
+          </a:lnRef>
+          <a:fillRef idx="0">
+            <a:schemeClr val="dk1"/>
+          </a:fillRef>
+          <a:effectRef idx="1">
+            <a:schemeClr val="dk1"/>
+          </a:effectRef>
+          <a:fontRef idx="minor">
+            <a:schemeClr val="tx1"/>
+          </a:fontRef>
+        </p:style>
+      </p:cxnSp>
+      <p:sp>
+        <p:nvSpPr>
+          <p:cNvPr id="18" name="TextBox 17"/>
+          <p:cNvSpPr txBox="1"/>
+          <p:nvPr/>
+        </p:nvSpPr>
+        <p:spPr>
+          <a:xfrm>
+            <a:off x="323528" y="3573016"/>
+            <a:ext cx="2441694" cy="400110"/>
+          </a:xfrm>
+          <a:prstGeom prst="rect">
+            <a:avLst/>
+          </a:prstGeom>
+          <a:noFill/>
+        </p:spPr>
+        <p:txBody>
+          <a:bodyPr wrap="none" rtlCol="0">
+            <a:spAutoFit/>
+          </a:bodyPr>
+          <a:lstStyle/>
+          <a:p>
+            <a:r>
+              <a:rPr lang="en-US" altLang="ko-KR" sz="2000" smtClean="0">
+                <a:latin typeface="Consolas" pitchFamily="49" charset="0"/>
+                <a:cs typeface="Consolas" pitchFamily="49" charset="0"/>
+              </a:rPr>
+              <a:t>&lt; shallow copy &gt;</a:t>
+            </a:r>
+            <a:endParaRPr lang="ko-KR" altLang="en-US" sz="2000" smtClean="0">
+              <a:latin typeface="Consolas" pitchFamily="49" charset="0"/>
+              <a:cs typeface="Consolas" pitchFamily="49" charset="0"/>
+            </a:endParaRPr>
+          </a:p>
+        </p:txBody>
+      </p:sp>
+    </p:spTree>
+  </p:cSld>
+  <p:clrMapOvr>
+    <a:masterClrMapping/>
+  </p:clrMapOvr>
+</p:sld>
+</file>
+
+<file path=ppt/slides/slide16.xml><?xml version="1.0" encoding="utf-8"?>
+<p:sld xmlns:a="http://schemas.openxmlformats.org/drawingml/2006/main" xmlns:r="http://schemas.openxmlformats.org/officeDocument/2006/relationships" xmlns:p="http://schemas.openxmlformats.org/presentationml/2006/main">
+  <p:cSld>
+    <p:spTree>
+      <p:nvGrpSpPr>
+        <p:cNvPr id="1" name=""/>
+        <p:cNvGrpSpPr/>
+        <p:nvPr/>
+      </p:nvGrpSpPr>
+      <p:grpSpPr>
+        <a:xfrm>
+          <a:off x="0" y="0"/>
+          <a:ext cx="0" cy="0"/>
+          <a:chOff x="0" y="0"/>
+          <a:chExt cx="0" cy="0"/>
+        </a:xfrm>
+      </p:grpSpPr>
+      <p:sp>
+        <p:nvSpPr>
+          <p:cNvPr id="4" name="TextBox 3"/>
+          <p:cNvSpPr txBox="1"/>
+          <p:nvPr/>
+        </p:nvSpPr>
+        <p:spPr>
+          <a:xfrm>
+            <a:off x="179512" y="260648"/>
+            <a:ext cx="5160387" cy="2862322"/>
+          </a:xfrm>
+          <a:prstGeom prst="rect">
+            <a:avLst/>
+          </a:prstGeom>
+          <a:noFill/>
+        </p:spPr>
+        <p:txBody>
+          <a:bodyPr wrap="none" rtlCol="0">
+            <a:spAutoFit/>
+          </a:bodyPr>
+          <a:lstStyle/>
+          <a:p>
+            <a:r>
+              <a:rPr lang="en-US" altLang="ko-KR" sz="2000" smtClean="0">
+                <a:latin typeface="Consolas" pitchFamily="49" charset="0"/>
+                <a:cs typeface="Consolas" pitchFamily="49" charset="0"/>
+              </a:rPr>
+              <a:t>mv </a:t>
+            </a:r>
+            <a:r>
+              <a:rPr lang="ko-KR" altLang="en-US" sz="2000" smtClean="0">
+                <a:latin typeface="Consolas" pitchFamily="49" charset="0"/>
+                <a:cs typeface="Consolas" pitchFamily="49" charset="0"/>
+              </a:rPr>
+              <a:t>기능을 구현하려면 어떻게 해야 할까</a:t>
+            </a:r>
+            <a:r>
+              <a:rPr lang="en-US" altLang="ko-KR" sz="2000" smtClean="0">
+                <a:latin typeface="Consolas" pitchFamily="49" charset="0"/>
+                <a:cs typeface="Consolas" pitchFamily="49" charset="0"/>
+              </a:rPr>
+              <a:t>?</a:t>
+            </a:r>
+          </a:p>
+          <a:p>
+            <a:endParaRPr lang="en-US" altLang="ko-KR" sz="2000" smtClean="0">
+              <a:latin typeface="Consolas" pitchFamily="49" charset="0"/>
+              <a:cs typeface="Consolas" pitchFamily="49" charset="0"/>
+            </a:endParaRPr>
+          </a:p>
+          <a:p>
+            <a:r>
+              <a:rPr lang="en-US" altLang="ko-KR" sz="2000" smtClean="0">
+                <a:latin typeface="Consolas" pitchFamily="49" charset="0"/>
+                <a:cs typeface="Consolas" pitchFamily="49" charset="0"/>
+              </a:rPr>
+              <a:t>hello</a:t>
+            </a:r>
+            <a:r>
+              <a:rPr lang="ko-KR" altLang="en-US" sz="2000" smtClean="0">
+                <a:latin typeface="Consolas" pitchFamily="49" charset="0"/>
+                <a:cs typeface="Consolas" pitchFamily="49" charset="0"/>
+              </a:rPr>
+              <a:t>라는 파일의 이름을 </a:t>
+            </a:r>
+            <a:r>
+              <a:rPr lang="en-US" altLang="ko-KR" sz="2000" smtClean="0">
+                <a:latin typeface="Consolas" pitchFamily="49" charset="0"/>
+                <a:cs typeface="Consolas" pitchFamily="49" charset="0"/>
+              </a:rPr>
+              <a:t>world</a:t>
+            </a:r>
+            <a:r>
+              <a:rPr lang="ko-KR" altLang="en-US" sz="2000" smtClean="0">
+                <a:latin typeface="Consolas" pitchFamily="49" charset="0"/>
+                <a:cs typeface="Consolas" pitchFamily="49" charset="0"/>
+              </a:rPr>
+              <a:t>로 변경</a:t>
+            </a:r>
+            <a:endParaRPr lang="en-US" altLang="ko-KR" sz="2000" smtClean="0">
+              <a:latin typeface="Consolas" pitchFamily="49" charset="0"/>
+              <a:cs typeface="Consolas" pitchFamily="49" charset="0"/>
+            </a:endParaRPr>
+          </a:p>
+          <a:p>
+            <a:endParaRPr lang="en-US" altLang="ko-KR" sz="2000" smtClean="0">
+              <a:latin typeface="Consolas" pitchFamily="49" charset="0"/>
+              <a:cs typeface="Consolas" pitchFamily="49" charset="0"/>
+            </a:endParaRPr>
+          </a:p>
+          <a:p>
+            <a:pPr marL="457200" indent="-457200">
+              <a:buAutoNum type="arabicPeriod"/>
+            </a:pPr>
+            <a:r>
+              <a:rPr lang="en-US" altLang="ko-KR" sz="2000" smtClean="0">
+                <a:latin typeface="Consolas" pitchFamily="49" charset="0"/>
+                <a:cs typeface="Consolas" pitchFamily="49" charset="0"/>
+              </a:rPr>
+              <a:t>cp hello world</a:t>
+            </a:r>
+          </a:p>
+          <a:p>
+            <a:pPr marL="457200" indent="-457200">
+              <a:buAutoNum type="arabicPeriod"/>
+            </a:pPr>
+            <a:r>
+              <a:rPr lang="en-US" altLang="ko-KR" sz="2000" smtClean="0">
+                <a:latin typeface="Consolas" pitchFamily="49" charset="0"/>
+                <a:cs typeface="Consolas" pitchFamily="49" charset="0"/>
+              </a:rPr>
+              <a:t>rm hello</a:t>
+            </a:r>
+          </a:p>
+          <a:p>
+            <a:pPr marL="457200" indent="-457200">
+              <a:buAutoNum type="arabicPeriod"/>
+            </a:pPr>
+            <a:endParaRPr lang="en-US" altLang="ko-KR" sz="2000" smtClean="0">
+              <a:latin typeface="Consolas" pitchFamily="49" charset="0"/>
+              <a:cs typeface="Consolas" pitchFamily="49" charset="0"/>
+            </a:endParaRPr>
+          </a:p>
+          <a:p>
+            <a:pPr marL="457200" indent="-457200"/>
+            <a:r>
+              <a:rPr lang="ko-KR" altLang="en-US" sz="2000" smtClean="0">
+                <a:latin typeface="Consolas" pitchFamily="49" charset="0"/>
+                <a:cs typeface="Consolas" pitchFamily="49" charset="0"/>
+              </a:rPr>
+              <a:t>복사에 대한 오버헤드</a:t>
+            </a:r>
+            <a:endParaRPr lang="en-US" altLang="ko-KR" sz="2000" smtClean="0">
+              <a:latin typeface="Consolas" pitchFamily="49" charset="0"/>
+              <a:cs typeface="Consolas" pitchFamily="49" charset="0"/>
+            </a:endParaRPr>
+          </a:p>
+          <a:p>
+            <a:pPr marL="457200" indent="-457200"/>
+            <a:r>
+              <a:rPr lang="ko-KR" altLang="en-US" sz="2000" smtClean="0">
+                <a:latin typeface="Consolas" pitchFamily="49" charset="0"/>
+                <a:cs typeface="Consolas" pitchFamily="49" charset="0"/>
+              </a:rPr>
+              <a:t>삭제에 대한 오버헤드</a:t>
+            </a:r>
+            <a:endParaRPr lang="en-US" altLang="ko-KR" sz="2000" smtClean="0">
+              <a:latin typeface="Consolas" pitchFamily="49" charset="0"/>
+              <a:cs typeface="Consolas" pitchFamily="49" charset="0"/>
+            </a:endParaRPr>
+          </a:p>
+        </p:txBody>
+      </p:sp>
+      <p:sp>
+        <p:nvSpPr>
+          <p:cNvPr id="11" name="직사각형 10"/>
+          <p:cNvSpPr/>
+          <p:nvPr/>
+        </p:nvSpPr>
+        <p:spPr>
+          <a:xfrm>
+            <a:off x="4716016" y="3789040"/>
+            <a:ext cx="864096" cy="936104"/>
+          </a:xfrm>
+          <a:prstGeom prst="rect">
+            <a:avLst/>
+          </a:prstGeom>
+          <a:solidFill>
+            <a:srgbClr val="FFFF00"/>
+          </a:solidFill>
+        </p:spPr>
+        <p:style>
+          <a:lnRef idx="2">
+            <a:schemeClr val="accent1">
+              <a:shade val="50000"/>
+            </a:schemeClr>
+          </a:lnRef>
+          <a:fillRef idx="1">
+            <a:schemeClr val="accent1"/>
+          </a:fillRef>
+          <a:effectRef idx="0">
+            <a:schemeClr val="accent1"/>
+          </a:effectRef>
+          <a:fontRef idx="minor">
+            <a:schemeClr val="lt1"/>
+          </a:fontRef>
+        </p:style>
+        <p:txBody>
+          <a:bodyPr rtlCol="0" anchor="ctr"/>
+          <a:lstStyle/>
+          <a:p>
+            <a:pPr algn="ctr"/>
+            <a:endParaRPr lang="ko-KR" altLang="en-US" sz="2000">
+              <a:solidFill>
+                <a:schemeClr val="tx1"/>
+              </a:solidFill>
+              <a:latin typeface="Consolas" pitchFamily="49" charset="0"/>
+              <a:cs typeface="Consolas" pitchFamily="49" charset="0"/>
+            </a:endParaRPr>
+          </a:p>
+        </p:txBody>
+      </p:sp>
+      <p:sp>
+        <p:nvSpPr>
+          <p:cNvPr id="12" name="직사각형 11"/>
+          <p:cNvSpPr/>
+          <p:nvPr/>
+        </p:nvSpPr>
+        <p:spPr>
+          <a:xfrm>
+            <a:off x="4716016" y="5733256"/>
+            <a:ext cx="864096" cy="432048"/>
+          </a:xfrm>
+          <a:prstGeom prst="rect">
+            <a:avLst/>
+          </a:prstGeom>
+          <a:solidFill>
+            <a:srgbClr val="FFFF00"/>
+          </a:solidFill>
+        </p:spPr>
+        <p:style>
+          <a:lnRef idx="2">
+            <a:schemeClr val="accent1">
+              <a:shade val="50000"/>
+            </a:schemeClr>
+          </a:lnRef>
+          <a:fillRef idx="1">
+            <a:schemeClr val="accent1"/>
+          </a:fillRef>
+          <a:effectRef idx="0">
+            <a:schemeClr val="accent1"/>
+          </a:effectRef>
+          <a:fontRef idx="minor">
+            <a:schemeClr val="lt1"/>
+          </a:fontRef>
+        </p:style>
+        <p:txBody>
+          <a:bodyPr rtlCol="0" anchor="ctr"/>
+          <a:lstStyle/>
+          <a:p>
+            <a:pPr algn="ctr"/>
+            <a:r>
+              <a:rPr lang="en-US" altLang="ko-KR" sz="2000" smtClean="0">
+                <a:solidFill>
+                  <a:schemeClr val="tx1"/>
+                </a:solidFill>
+                <a:latin typeface="Consolas" pitchFamily="49" charset="0"/>
+                <a:cs typeface="Consolas" pitchFamily="49" charset="0"/>
+              </a:rPr>
+              <a:t>*</a:t>
+            </a:r>
+            <a:endParaRPr lang="ko-KR" altLang="en-US" sz="2000">
+              <a:solidFill>
+                <a:schemeClr val="tx1"/>
+              </a:solidFill>
+              <a:latin typeface="Consolas" pitchFamily="49" charset="0"/>
+              <a:cs typeface="Consolas" pitchFamily="49" charset="0"/>
+            </a:endParaRPr>
+          </a:p>
+        </p:txBody>
+      </p:sp>
+      <p:cxnSp>
+        <p:nvCxnSpPr>
+          <p:cNvPr id="13" name="직선 화살표 연결선 12"/>
+          <p:cNvCxnSpPr>
+            <a:stCxn id="12" idx="0"/>
+            <a:endCxn id="11" idx="2"/>
+          </p:cNvCxnSpPr>
+          <p:nvPr/>
+        </p:nvCxnSpPr>
+        <p:spPr>
+          <a:xfrm rot="5400000" flipH="1" flipV="1">
+            <a:off x="4644008" y="5229200"/>
+            <a:ext cx="1008112" cy="1588"/>
+          </a:xfrm>
+          <a:prstGeom prst="straightConnector1">
+            <a:avLst/>
+          </a:prstGeom>
+          <a:ln>
+            <a:tailEnd type="arrow"/>
+          </a:ln>
+        </p:spPr>
+        <p:style>
+          <a:lnRef idx="2">
+            <a:schemeClr val="dk1"/>
+          </a:lnRef>
+          <a:fillRef idx="0">
+            <a:schemeClr val="dk1"/>
+          </a:fillRef>
+          <a:effectRef idx="1">
+            <a:schemeClr val="dk1"/>
+          </a:effectRef>
+          <a:fontRef idx="minor">
+            <a:schemeClr val="tx1"/>
+          </a:fontRef>
+        </p:style>
+      </p:cxnSp>
+    </p:spTree>
+  </p:cSld>
+  <p:clrMapOvr>
+    <a:masterClrMapping/>
+  </p:clrMapOvr>
+</p:sld>
+</file>
+
+<file path=ppt/slides/slide17.xml><?xml version="1.0" encoding="utf-8"?>
+<p:sld xmlns:a="http://schemas.openxmlformats.org/drawingml/2006/main" xmlns:r="http://schemas.openxmlformats.org/officeDocument/2006/relationships" xmlns:p="http://schemas.openxmlformats.org/presentationml/2006/main">
+  <p:cSld>
+    <p:spTree>
+      <p:nvGrpSpPr>
+        <p:cNvPr id="1" name=""/>
+        <p:cNvGrpSpPr/>
+        <p:nvPr/>
+      </p:nvGrpSpPr>
+      <p:grpSpPr>
+        <a:xfrm>
+          <a:off x="0" y="0"/>
+          <a:ext cx="0" cy="0"/>
+          <a:chOff x="0" y="0"/>
+          <a:chExt cx="0" cy="0"/>
+        </a:xfrm>
+      </p:grpSpPr>
+      <p:sp>
+        <p:nvSpPr>
+          <p:cNvPr id="4" name="TextBox 3"/>
+          <p:cNvSpPr txBox="1"/>
+          <p:nvPr/>
+        </p:nvSpPr>
+        <p:spPr>
+          <a:xfrm>
+            <a:off x="179512" y="260648"/>
+            <a:ext cx="5160387" cy="2862322"/>
+          </a:xfrm>
+          <a:prstGeom prst="rect">
+            <a:avLst/>
+          </a:prstGeom>
+          <a:noFill/>
+        </p:spPr>
+        <p:txBody>
+          <a:bodyPr wrap="none" rtlCol="0">
+            <a:spAutoFit/>
+          </a:bodyPr>
+          <a:lstStyle/>
+          <a:p>
+            <a:r>
+              <a:rPr lang="en-US" altLang="ko-KR" sz="2000" smtClean="0">
+                <a:latin typeface="Consolas" pitchFamily="49" charset="0"/>
+                <a:cs typeface="Consolas" pitchFamily="49" charset="0"/>
+              </a:rPr>
+              <a:t>mv </a:t>
+            </a:r>
+            <a:r>
+              <a:rPr lang="ko-KR" altLang="en-US" sz="2000" smtClean="0">
+                <a:latin typeface="Consolas" pitchFamily="49" charset="0"/>
+                <a:cs typeface="Consolas" pitchFamily="49" charset="0"/>
+              </a:rPr>
+              <a:t>기능을 구현하려면 어떻게 해야 할까</a:t>
+            </a:r>
+            <a:r>
+              <a:rPr lang="en-US" altLang="ko-KR" sz="2000" smtClean="0">
+                <a:latin typeface="Consolas" pitchFamily="49" charset="0"/>
+                <a:cs typeface="Consolas" pitchFamily="49" charset="0"/>
+              </a:rPr>
+              <a:t>?</a:t>
+            </a:r>
+          </a:p>
+          <a:p>
+            <a:endParaRPr lang="en-US" altLang="ko-KR" sz="2000" smtClean="0">
+              <a:latin typeface="Consolas" pitchFamily="49" charset="0"/>
+              <a:cs typeface="Consolas" pitchFamily="49" charset="0"/>
+            </a:endParaRPr>
+          </a:p>
+          <a:p>
+            <a:r>
+              <a:rPr lang="en-US" altLang="ko-KR" sz="2000" smtClean="0">
+                <a:latin typeface="Consolas" pitchFamily="49" charset="0"/>
+                <a:cs typeface="Consolas" pitchFamily="49" charset="0"/>
+              </a:rPr>
+              <a:t>hello</a:t>
+            </a:r>
+            <a:r>
+              <a:rPr lang="ko-KR" altLang="en-US" sz="2000" smtClean="0">
+                <a:latin typeface="Consolas" pitchFamily="49" charset="0"/>
+                <a:cs typeface="Consolas" pitchFamily="49" charset="0"/>
+              </a:rPr>
+              <a:t>라는 파일의 이름을 </a:t>
+            </a:r>
+            <a:r>
+              <a:rPr lang="en-US" altLang="ko-KR" sz="2000" smtClean="0">
+                <a:latin typeface="Consolas" pitchFamily="49" charset="0"/>
+                <a:cs typeface="Consolas" pitchFamily="49" charset="0"/>
+              </a:rPr>
+              <a:t>world</a:t>
+            </a:r>
+            <a:r>
+              <a:rPr lang="ko-KR" altLang="en-US" sz="2000" smtClean="0">
+                <a:latin typeface="Consolas" pitchFamily="49" charset="0"/>
+                <a:cs typeface="Consolas" pitchFamily="49" charset="0"/>
+              </a:rPr>
+              <a:t>로 변경</a:t>
+            </a:r>
+            <a:endParaRPr lang="en-US" altLang="ko-KR" sz="2000" smtClean="0">
+              <a:latin typeface="Consolas" pitchFamily="49" charset="0"/>
+              <a:cs typeface="Consolas" pitchFamily="49" charset="0"/>
+            </a:endParaRPr>
+          </a:p>
+          <a:p>
+            <a:endParaRPr lang="en-US" altLang="ko-KR" sz="2000" smtClean="0">
+              <a:latin typeface="Consolas" pitchFamily="49" charset="0"/>
+              <a:cs typeface="Consolas" pitchFamily="49" charset="0"/>
+            </a:endParaRPr>
+          </a:p>
+          <a:p>
+            <a:pPr marL="457200" indent="-457200">
+              <a:buAutoNum type="arabicPeriod"/>
+            </a:pPr>
+            <a:r>
+              <a:rPr lang="en-US" altLang="ko-KR" sz="2000" smtClean="0">
+                <a:latin typeface="Consolas" pitchFamily="49" charset="0"/>
+                <a:cs typeface="Consolas" pitchFamily="49" charset="0"/>
+              </a:rPr>
+              <a:t>ln</a:t>
+            </a:r>
+            <a:r>
+              <a:rPr lang="en-US" altLang="ko-KR" sz="2000" smtClean="0">
+                <a:latin typeface="Consolas" pitchFamily="49" charset="0"/>
+                <a:cs typeface="Consolas" pitchFamily="49" charset="0"/>
+              </a:rPr>
+              <a:t> hello world</a:t>
+            </a:r>
+          </a:p>
+          <a:p>
+            <a:pPr marL="457200" indent="-457200">
+              <a:buAutoNum type="arabicPeriod"/>
+            </a:pPr>
+            <a:r>
+              <a:rPr lang="en-US" altLang="ko-KR" sz="2000" smtClean="0">
+                <a:latin typeface="Consolas" pitchFamily="49" charset="0"/>
+                <a:cs typeface="Consolas" pitchFamily="49" charset="0"/>
+              </a:rPr>
+              <a:t>rm hello</a:t>
+            </a:r>
+            <a:endParaRPr lang="en-US" altLang="ko-KR" sz="2000" smtClean="0">
+              <a:latin typeface="Consolas" pitchFamily="49" charset="0"/>
+              <a:cs typeface="Consolas" pitchFamily="49" charset="0"/>
+            </a:endParaRPr>
+          </a:p>
+          <a:p>
+            <a:pPr marL="457200" indent="-457200">
+              <a:buAutoNum type="arabicPeriod"/>
+            </a:pPr>
+            <a:endParaRPr lang="en-US" altLang="ko-KR" sz="2000" smtClean="0">
+              <a:latin typeface="Consolas" pitchFamily="49" charset="0"/>
+              <a:cs typeface="Consolas" pitchFamily="49" charset="0"/>
+            </a:endParaRPr>
+          </a:p>
+          <a:p>
+            <a:pPr marL="457200" indent="-457200"/>
+            <a:r>
+              <a:rPr lang="ko-KR" altLang="en-US" sz="2000" smtClean="0">
+                <a:latin typeface="Consolas" pitchFamily="49" charset="0"/>
+                <a:cs typeface="Consolas" pitchFamily="49" charset="0"/>
+              </a:rPr>
+              <a:t>복사에 대한 오버헤드</a:t>
+            </a:r>
+            <a:endParaRPr lang="en-US" altLang="ko-KR" sz="2000" smtClean="0">
+              <a:latin typeface="Consolas" pitchFamily="49" charset="0"/>
+              <a:cs typeface="Consolas" pitchFamily="49" charset="0"/>
+            </a:endParaRPr>
+          </a:p>
+          <a:p>
+            <a:pPr marL="457200" indent="-457200"/>
+            <a:r>
+              <a:rPr lang="ko-KR" altLang="en-US" sz="2000" smtClean="0">
+                <a:latin typeface="Consolas" pitchFamily="49" charset="0"/>
+                <a:cs typeface="Consolas" pitchFamily="49" charset="0"/>
+              </a:rPr>
+              <a:t>삭제에 대한 오버헤드</a:t>
+            </a:r>
+            <a:endParaRPr lang="en-US" altLang="ko-KR" sz="2000" smtClean="0">
+              <a:latin typeface="Consolas" pitchFamily="49" charset="0"/>
+              <a:cs typeface="Consolas" pitchFamily="49" charset="0"/>
+            </a:endParaRPr>
+          </a:p>
+        </p:txBody>
+      </p:sp>
+      <p:sp>
+        <p:nvSpPr>
+          <p:cNvPr id="11" name="직사각형 10"/>
+          <p:cNvSpPr/>
+          <p:nvPr/>
+        </p:nvSpPr>
+        <p:spPr>
+          <a:xfrm>
+            <a:off x="1475656" y="3717032"/>
+            <a:ext cx="864096" cy="936104"/>
+          </a:xfrm>
+          <a:prstGeom prst="rect">
+            <a:avLst/>
+          </a:prstGeom>
+          <a:solidFill>
+            <a:srgbClr val="FFFF00"/>
+          </a:solidFill>
+        </p:spPr>
+        <p:style>
+          <a:lnRef idx="2">
+            <a:schemeClr val="accent1">
+              <a:shade val="50000"/>
+            </a:schemeClr>
+          </a:lnRef>
+          <a:fillRef idx="1">
+            <a:schemeClr val="accent1"/>
+          </a:fillRef>
+          <a:effectRef idx="0">
+            <a:schemeClr val="accent1"/>
+          </a:effectRef>
+          <a:fontRef idx="minor">
+            <a:schemeClr val="lt1"/>
+          </a:fontRef>
+        </p:style>
+        <p:txBody>
+          <a:bodyPr rtlCol="0" anchor="ctr"/>
+          <a:lstStyle/>
+          <a:p>
+            <a:pPr algn="ctr"/>
+            <a:endParaRPr lang="ko-KR" altLang="en-US" sz="2000">
+              <a:solidFill>
+                <a:schemeClr val="tx1"/>
+              </a:solidFill>
+              <a:latin typeface="Consolas" pitchFamily="49" charset="0"/>
+              <a:cs typeface="Consolas" pitchFamily="49" charset="0"/>
+            </a:endParaRPr>
+          </a:p>
+        </p:txBody>
+      </p:sp>
+      <p:sp>
+        <p:nvSpPr>
+          <p:cNvPr id="6" name="직사각형 5"/>
+          <p:cNvSpPr/>
+          <p:nvPr/>
+        </p:nvSpPr>
+        <p:spPr>
+          <a:xfrm>
+            <a:off x="2843808" y="5661248"/>
+            <a:ext cx="864096" cy="432048"/>
+          </a:xfrm>
+          <a:prstGeom prst="rect">
+            <a:avLst/>
+          </a:prstGeom>
+          <a:solidFill>
+            <a:srgbClr val="FFFF00"/>
+          </a:solidFill>
+        </p:spPr>
+        <p:style>
+          <a:lnRef idx="2">
+            <a:schemeClr val="accent1">
+              <a:shade val="50000"/>
+            </a:schemeClr>
+          </a:lnRef>
+          <a:fillRef idx="1">
+            <a:schemeClr val="accent1"/>
+          </a:fillRef>
+          <a:effectRef idx="0">
+            <a:schemeClr val="accent1"/>
+          </a:effectRef>
+          <a:fontRef idx="minor">
+            <a:schemeClr val="lt1"/>
+          </a:fontRef>
+        </p:style>
+        <p:txBody>
+          <a:bodyPr rtlCol="0" anchor="ctr"/>
+          <a:lstStyle/>
+          <a:p>
+            <a:pPr algn="ctr"/>
+            <a:r>
+              <a:rPr lang="en-US" altLang="ko-KR" sz="2000" smtClean="0">
+                <a:solidFill>
+                  <a:schemeClr val="tx1"/>
+                </a:solidFill>
+                <a:latin typeface="Consolas" pitchFamily="49" charset="0"/>
+                <a:cs typeface="Consolas" pitchFamily="49" charset="0"/>
+              </a:rPr>
+              <a:t>*</a:t>
+            </a:r>
+            <a:endParaRPr lang="ko-KR" altLang="en-US" sz="2000">
+              <a:solidFill>
+                <a:schemeClr val="tx1"/>
+              </a:solidFill>
+              <a:latin typeface="Consolas" pitchFamily="49" charset="0"/>
+              <a:cs typeface="Consolas" pitchFamily="49" charset="0"/>
+            </a:endParaRPr>
+          </a:p>
+        </p:txBody>
+      </p:sp>
+      <p:cxnSp>
+        <p:nvCxnSpPr>
+          <p:cNvPr id="7" name="직선 화살표 연결선 6"/>
+          <p:cNvCxnSpPr>
+            <a:stCxn id="6" idx="0"/>
+            <a:endCxn id="11" idx="2"/>
+          </p:cNvCxnSpPr>
+          <p:nvPr/>
+        </p:nvCxnSpPr>
+        <p:spPr>
+          <a:xfrm rot="16200000" flipV="1">
+            <a:off x="2087724" y="4473116"/>
+            <a:ext cx="1008112" cy="1368152"/>
+          </a:xfrm>
+          <a:prstGeom prst="straightConnector1">
+            <a:avLst/>
+          </a:prstGeom>
+          <a:ln>
+            <a:tailEnd type="arrow"/>
+          </a:ln>
+        </p:spPr>
+        <p:style>
+          <a:lnRef idx="2">
+            <a:schemeClr val="dk1"/>
+          </a:lnRef>
+          <a:fillRef idx="0">
+            <a:schemeClr val="dk1"/>
+          </a:fillRef>
+          <a:effectRef idx="1">
+            <a:schemeClr val="dk1"/>
+          </a:effectRef>
+          <a:fontRef idx="minor">
+            <a:schemeClr val="tx1"/>
+          </a:fontRef>
+        </p:style>
+      </p:cxnSp>
+    </p:spTree>
+  </p:cSld>
+  <p:clrMapOvr>
+    <a:masterClrMapping/>
+  </p:clrMapOvr>
+</p:sld>
+</file>
+
+<file path=ppt/slides/slide18.xml><?xml version="1.0" encoding="utf-8"?>
+<p:sld xmlns:a="http://schemas.openxmlformats.org/drawingml/2006/main" xmlns:r="http://schemas.openxmlformats.org/officeDocument/2006/relationships" xmlns:p="http://schemas.openxmlformats.org/presentationml/2006/main">
+  <p:cSld>
+    <p:spTree>
+      <p:nvGrpSpPr>
+        <p:cNvPr id="1" name=""/>
+        <p:cNvGrpSpPr/>
+        <p:nvPr/>
+      </p:nvGrpSpPr>
+      <p:grpSpPr>
+        <a:xfrm>
+          <a:off x="0" y="0"/>
+          <a:ext cx="0" cy="0"/>
+          <a:chOff x="0" y="0"/>
+          <a:chExt cx="0" cy="0"/>
+        </a:xfrm>
+      </p:grpSpPr>
+      <p:sp>
+        <p:nvSpPr>
+          <p:cNvPr id="4" name="TextBox 3"/>
+          <p:cNvSpPr txBox="1"/>
+          <p:nvPr/>
+        </p:nvSpPr>
+        <p:spPr>
+          <a:xfrm>
+            <a:off x="107504" y="260648"/>
+            <a:ext cx="7353295" cy="1323439"/>
+          </a:xfrm>
+          <a:prstGeom prst="rect">
+            <a:avLst/>
+          </a:prstGeom>
+          <a:noFill/>
+        </p:spPr>
+        <p:txBody>
+          <a:bodyPr wrap="none" rtlCol="0">
+            <a:spAutoFit/>
+          </a:bodyPr>
+          <a:lstStyle/>
+          <a:p>
+            <a:r>
+              <a:rPr lang="ko-KR" altLang="en-US" sz="2000" smtClean="0">
+                <a:latin typeface="Consolas" pitchFamily="49" charset="0"/>
+                <a:cs typeface="Consolas" pitchFamily="49" charset="0"/>
+              </a:rPr>
+              <a:t>하드 링크를 하면 서로 다른 파일이 같은 아이노드를 참조</a:t>
+            </a:r>
+            <a:r>
+              <a:rPr lang="en-US" altLang="ko-KR" sz="2000" smtClean="0">
+                <a:latin typeface="Consolas" pitchFamily="49" charset="0"/>
+                <a:cs typeface="Consolas" pitchFamily="49" charset="0"/>
+              </a:rPr>
+              <a:t>!</a:t>
+            </a:r>
+          </a:p>
+          <a:p>
+            <a:endParaRPr lang="en-US" altLang="ko-KR" sz="2000" smtClean="0">
+              <a:latin typeface="Consolas" pitchFamily="49" charset="0"/>
+              <a:cs typeface="Consolas" pitchFamily="49" charset="0"/>
+            </a:endParaRPr>
+          </a:p>
+          <a:p>
+            <a:pPr marL="457200" indent="-457200">
+              <a:buAutoNum type="arabicPeriod"/>
+            </a:pPr>
+            <a:r>
+              <a:rPr lang="ko-KR" altLang="en-US" sz="2000" smtClean="0">
+                <a:latin typeface="Consolas" pitchFamily="49" charset="0"/>
+                <a:cs typeface="Consolas" pitchFamily="49" charset="0"/>
+              </a:rPr>
+              <a:t>복사와 삭제에 대한 오버헤드를 제거</a:t>
+            </a:r>
+            <a:endParaRPr lang="en-US" altLang="ko-KR" sz="2000" smtClean="0">
+              <a:latin typeface="Consolas" pitchFamily="49" charset="0"/>
+              <a:cs typeface="Consolas" pitchFamily="49" charset="0"/>
+            </a:endParaRPr>
+          </a:p>
+          <a:p>
+            <a:pPr marL="457200" indent="-457200">
+              <a:buAutoNum type="arabicPeriod"/>
+            </a:pPr>
+            <a:r>
+              <a:rPr lang="ko-KR" altLang="en-US" sz="2000" smtClean="0">
+                <a:latin typeface="Consolas" pitchFamily="49" charset="0"/>
+                <a:cs typeface="Consolas" pitchFamily="49" charset="0"/>
+              </a:rPr>
+              <a:t>상대 경로</a:t>
+            </a:r>
+            <a:endParaRPr lang="ko-KR" altLang="en-US" sz="2000" smtClean="0">
+              <a:latin typeface="Consolas" pitchFamily="49" charset="0"/>
+              <a:cs typeface="Consolas" pitchFamily="49" charset="0"/>
+            </a:endParaRPr>
+          </a:p>
+        </p:txBody>
+      </p:sp>
+    </p:spTree>
+  </p:cSld>
+  <p:clrMapOvr>
+    <a:masterClrMapping/>
+  </p:clrMapOvr>
+</p:sld>
+</file>
+
+<file path=ppt/slides/slide19.xml><?xml version="1.0" encoding="utf-8"?>
+<p:sld xmlns:a="http://schemas.openxmlformats.org/drawingml/2006/main" xmlns:r="http://schemas.openxmlformats.org/officeDocument/2006/relationships" xmlns:p="http://schemas.openxmlformats.org/presentationml/2006/main">
+  <p:cSld>
+    <p:spTree>
+      <p:nvGrpSpPr>
+        <p:cNvPr id="1" name=""/>
+        <p:cNvGrpSpPr/>
+        <p:nvPr/>
+      </p:nvGrpSpPr>
+      <p:grpSpPr>
+        <a:xfrm>
+          <a:off x="0" y="0"/>
+          <a:ext cx="0" cy="0"/>
+          <a:chOff x="0" y="0"/>
+          <a:chExt cx="0" cy="0"/>
+        </a:xfrm>
+      </p:grpSpPr>
+      <p:sp>
+        <p:nvSpPr>
+          <p:cNvPr id="4" name="TextBox 3"/>
+          <p:cNvSpPr txBox="1"/>
+          <p:nvPr/>
+        </p:nvSpPr>
+        <p:spPr>
+          <a:xfrm>
+            <a:off x="323528" y="260648"/>
+            <a:ext cx="748923" cy="400110"/>
+          </a:xfrm>
+          <a:prstGeom prst="rect">
+            <a:avLst/>
+          </a:prstGeom>
+          <a:noFill/>
+        </p:spPr>
+        <p:txBody>
+          <a:bodyPr wrap="none" rtlCol="0">
+            <a:spAutoFit/>
+          </a:bodyPr>
+          <a:lstStyle/>
+          <a:p>
+            <a:r>
+              <a:rPr lang="en-US" altLang="ko-KR" sz="2000" smtClean="0">
+                <a:latin typeface="Consolas" pitchFamily="49" charset="0"/>
+                <a:cs typeface="Consolas" pitchFamily="49" charset="0"/>
+              </a:rPr>
+              <a:t>fork</a:t>
+            </a:r>
+            <a:endParaRPr lang="ko-KR" altLang="en-US" sz="2000" smtClean="0">
+              <a:latin typeface="Consolas" pitchFamily="49" charset="0"/>
+              <a:cs typeface="Consolas" pitchFamily="49" charset="0"/>
+            </a:endParaRPr>
+          </a:p>
+        </p:txBody>
+      </p:sp>
+      <p:cxnSp>
+        <p:nvCxnSpPr>
+          <p:cNvPr id="6" name="직선 화살표 연결선 5"/>
+          <p:cNvCxnSpPr/>
+          <p:nvPr/>
+        </p:nvCxnSpPr>
+        <p:spPr>
+          <a:xfrm rot="5400000">
+            <a:off x="2807804" y="1736812"/>
+            <a:ext cx="1944216" cy="1588"/>
+          </a:xfrm>
+          <a:prstGeom prst="straightConnector1">
+            <a:avLst/>
+          </a:prstGeom>
+          <a:ln>
+            <a:tailEnd type="arrow"/>
+          </a:ln>
+        </p:spPr>
+        <p:style>
+          <a:lnRef idx="3">
+            <a:schemeClr val="dk1"/>
+          </a:lnRef>
+          <a:fillRef idx="0">
+            <a:schemeClr val="dk1"/>
+          </a:fillRef>
+          <a:effectRef idx="2">
+            <a:schemeClr val="dk1"/>
+          </a:effectRef>
+          <a:fontRef idx="minor">
+            <a:schemeClr val="tx1"/>
+          </a:fontRef>
+        </p:style>
+      </p:cxnSp>
+      <p:cxnSp>
+        <p:nvCxnSpPr>
+          <p:cNvPr id="8" name="직선 연결선 7"/>
+          <p:cNvCxnSpPr/>
+          <p:nvPr/>
+        </p:nvCxnSpPr>
+        <p:spPr>
+          <a:xfrm>
+            <a:off x="1979712" y="2708920"/>
+            <a:ext cx="3960440" cy="1588"/>
+          </a:xfrm>
+          <a:prstGeom prst="line">
+            <a:avLst/>
+          </a:prstGeom>
+        </p:spPr>
+        <p:style>
+          <a:lnRef idx="3">
+            <a:schemeClr val="dk1"/>
+          </a:lnRef>
+          <a:fillRef idx="0">
+            <a:schemeClr val="dk1"/>
+          </a:fillRef>
+          <a:effectRef idx="2">
+            <a:schemeClr val="dk1"/>
+          </a:effectRef>
+          <a:fontRef idx="minor">
+            <a:schemeClr val="tx1"/>
+          </a:fontRef>
+        </p:style>
+      </p:cxnSp>
+      <p:sp>
+        <p:nvSpPr>
+          <p:cNvPr id="9" name="TextBox 8"/>
+          <p:cNvSpPr txBox="1"/>
+          <p:nvPr/>
+        </p:nvSpPr>
+        <p:spPr>
+          <a:xfrm>
+            <a:off x="6084168" y="2492896"/>
+            <a:ext cx="748923" cy="400110"/>
+          </a:xfrm>
+          <a:prstGeom prst="rect">
+            <a:avLst/>
+          </a:prstGeom>
+          <a:noFill/>
+        </p:spPr>
+        <p:txBody>
+          <a:bodyPr wrap="none" rtlCol="0">
+            <a:spAutoFit/>
+          </a:bodyPr>
+          <a:lstStyle/>
+          <a:p>
+            <a:r>
+              <a:rPr lang="en-US" altLang="ko-KR" sz="2000" smtClean="0">
+                <a:latin typeface="Consolas" pitchFamily="49" charset="0"/>
+                <a:cs typeface="Consolas" pitchFamily="49" charset="0"/>
+              </a:rPr>
+              <a:t>fork</a:t>
+            </a:r>
+            <a:endParaRPr lang="ko-KR" altLang="en-US" sz="2000" smtClean="0">
+              <a:latin typeface="Consolas" pitchFamily="49" charset="0"/>
+              <a:cs typeface="Consolas" pitchFamily="49" charset="0"/>
+            </a:endParaRPr>
+          </a:p>
+        </p:txBody>
+      </p:sp>
+      <p:cxnSp>
+        <p:nvCxnSpPr>
+          <p:cNvPr id="10" name="직선 화살표 연결선 9"/>
+          <p:cNvCxnSpPr/>
+          <p:nvPr/>
+        </p:nvCxnSpPr>
+        <p:spPr>
+          <a:xfrm rot="5400000">
+            <a:off x="4968838" y="3680234"/>
+            <a:ext cx="1944216" cy="1588"/>
+          </a:xfrm>
+          <a:prstGeom prst="straightConnector1">
+            <a:avLst/>
+          </a:prstGeom>
+          <a:ln>
+            <a:tailEnd type="arrow"/>
+          </a:ln>
+        </p:spPr>
+        <p:style>
+          <a:lnRef idx="3">
+            <a:schemeClr val="dk1"/>
+          </a:lnRef>
+          <a:fillRef idx="0">
+            <a:schemeClr val="dk1"/>
+          </a:fillRef>
+          <a:effectRef idx="2">
+            <a:schemeClr val="dk1"/>
+          </a:effectRef>
+          <a:fontRef idx="minor">
+            <a:schemeClr val="tx1"/>
+          </a:fontRef>
+        </p:style>
+      </p:cxnSp>
+      <p:cxnSp>
+        <p:nvCxnSpPr>
+          <p:cNvPr id="11" name="직선 화살표 연결선 10"/>
+          <p:cNvCxnSpPr/>
+          <p:nvPr/>
+        </p:nvCxnSpPr>
+        <p:spPr>
+          <a:xfrm rot="5400000">
+            <a:off x="1008398" y="3680234"/>
+            <a:ext cx="1944216" cy="1588"/>
+          </a:xfrm>
+          <a:prstGeom prst="straightConnector1">
+            <a:avLst/>
+          </a:prstGeom>
+          <a:ln>
+            <a:tailEnd type="arrow"/>
+          </a:ln>
+        </p:spPr>
+        <p:style>
+          <a:lnRef idx="3">
+            <a:schemeClr val="dk1"/>
+          </a:lnRef>
+          <a:fillRef idx="0">
+            <a:schemeClr val="dk1"/>
+          </a:fillRef>
+          <a:effectRef idx="2">
+            <a:schemeClr val="dk1"/>
+          </a:effectRef>
+          <a:fontRef idx="minor">
+            <a:schemeClr val="tx1"/>
+          </a:fontRef>
+        </p:style>
+      </p:cxnSp>
+      <p:cxnSp>
+        <p:nvCxnSpPr>
+          <p:cNvPr id="12" name="직선 화살표 연결선 11"/>
+          <p:cNvCxnSpPr/>
+          <p:nvPr/>
+        </p:nvCxnSpPr>
+        <p:spPr>
+          <a:xfrm rot="5400000">
+            <a:off x="2808598" y="3680234"/>
+            <a:ext cx="1944216" cy="1588"/>
+          </a:xfrm>
+          <a:prstGeom prst="straightConnector1">
+            <a:avLst/>
+          </a:prstGeom>
+          <a:ln>
+            <a:tailEnd type="arrow"/>
+          </a:ln>
+        </p:spPr>
+        <p:style>
+          <a:lnRef idx="3">
+            <a:schemeClr val="dk1"/>
+          </a:lnRef>
+          <a:fillRef idx="0">
+            <a:schemeClr val="dk1"/>
+          </a:fillRef>
+          <a:effectRef idx="2">
+            <a:schemeClr val="dk1"/>
+          </a:effectRef>
+          <a:fontRef idx="minor">
+            <a:schemeClr val="tx1"/>
+          </a:fontRef>
+        </p:style>
+      </p:cxnSp>
     </p:spTree>
   </p:cSld>
   <p:clrMapOvr>
@@ -31507,6 +33172,1089 @@
               <a:solidFill>
                 <a:schemeClr val="tx1"/>
               </a:solidFill>
+              <a:latin typeface="Consolas" pitchFamily="49" charset="0"/>
+              <a:cs typeface="Consolas" pitchFamily="49" charset="0"/>
+            </a:endParaRPr>
+          </a:p>
+        </p:txBody>
+      </p:sp>
+    </p:spTree>
+  </p:cSld>
+  <p:clrMapOvr>
+    <a:masterClrMapping/>
+  </p:clrMapOvr>
+</p:sld>
+</file>
+
+<file path=ppt/slides/slide20.xml><?xml version="1.0" encoding="utf-8"?>
+<p:sld xmlns:a="http://schemas.openxmlformats.org/drawingml/2006/main" xmlns:r="http://schemas.openxmlformats.org/officeDocument/2006/relationships" xmlns:p="http://schemas.openxmlformats.org/presentationml/2006/main">
+  <p:cSld>
+    <p:spTree>
+      <p:nvGrpSpPr>
+        <p:cNvPr id="1" name=""/>
+        <p:cNvGrpSpPr/>
+        <p:nvPr/>
+      </p:nvGrpSpPr>
+      <p:grpSpPr>
+        <a:xfrm>
+          <a:off x="0" y="0"/>
+          <a:ext cx="0" cy="0"/>
+          <a:chOff x="0" y="0"/>
+          <a:chExt cx="0" cy="0"/>
+        </a:xfrm>
+      </p:grpSpPr>
+      <p:sp>
+        <p:nvSpPr>
+          <p:cNvPr id="4" name="직사각형 3"/>
+          <p:cNvSpPr/>
+          <p:nvPr/>
+        </p:nvSpPr>
+        <p:spPr>
+          <a:xfrm>
+            <a:off x="1115616" y="404664"/>
+            <a:ext cx="1440160" cy="4896544"/>
+          </a:xfrm>
+          <a:prstGeom prst="rect">
+            <a:avLst/>
+          </a:prstGeom>
+          <a:solidFill>
+            <a:srgbClr val="FFFF00"/>
+          </a:solidFill>
+        </p:spPr>
+        <p:style>
+          <a:lnRef idx="2">
+            <a:schemeClr val="accent1">
+              <a:shade val="50000"/>
+            </a:schemeClr>
+          </a:lnRef>
+          <a:fillRef idx="1">
+            <a:schemeClr val="accent1"/>
+          </a:fillRef>
+          <a:effectRef idx="0">
+            <a:schemeClr val="accent1"/>
+          </a:effectRef>
+          <a:fontRef idx="minor">
+            <a:schemeClr val="lt1"/>
+          </a:fontRef>
+        </p:style>
+        <p:txBody>
+          <a:bodyPr rtlCol="0" anchor="ctr"/>
+          <a:lstStyle/>
+          <a:p>
+            <a:pPr algn="ctr"/>
+            <a:endParaRPr lang="ko-KR" altLang="en-US" sz="2000">
+              <a:solidFill>
+                <a:schemeClr val="tx1"/>
+              </a:solidFill>
+              <a:latin typeface="Consolas" pitchFamily="49" charset="0"/>
+              <a:cs typeface="Consolas" pitchFamily="49" charset="0"/>
+            </a:endParaRPr>
+          </a:p>
+        </p:txBody>
+      </p:sp>
+      <p:sp>
+        <p:nvSpPr>
+          <p:cNvPr id="5" name="TextBox 4"/>
+          <p:cNvSpPr txBox="1"/>
+          <p:nvPr/>
+        </p:nvSpPr>
+        <p:spPr>
+          <a:xfrm>
+            <a:off x="1115616" y="5301208"/>
+            <a:ext cx="1454244" cy="400110"/>
+          </a:xfrm>
+          <a:prstGeom prst="rect">
+            <a:avLst/>
+          </a:prstGeom>
+          <a:noFill/>
+        </p:spPr>
+        <p:txBody>
+          <a:bodyPr wrap="none" rtlCol="0">
+            <a:spAutoFit/>
+          </a:bodyPr>
+          <a:lstStyle/>
+          <a:p>
+            <a:r>
+              <a:rPr lang="en-US" altLang="ko-KR" sz="2000" smtClean="0">
+                <a:latin typeface="Consolas" pitchFamily="49" charset="0"/>
+                <a:cs typeface="Consolas" pitchFamily="49" charset="0"/>
+              </a:rPr>
+              <a:t>A Process</a:t>
+            </a:r>
+            <a:endParaRPr lang="ko-KR" altLang="en-US" sz="2000" smtClean="0">
+              <a:latin typeface="Consolas" pitchFamily="49" charset="0"/>
+              <a:cs typeface="Consolas" pitchFamily="49" charset="0"/>
+            </a:endParaRPr>
+          </a:p>
+        </p:txBody>
+      </p:sp>
+      <p:sp>
+        <p:nvSpPr>
+          <p:cNvPr id="6" name="직사각형 5"/>
+          <p:cNvSpPr/>
+          <p:nvPr/>
+        </p:nvSpPr>
+        <p:spPr>
+          <a:xfrm>
+            <a:off x="1115616" y="908720"/>
+            <a:ext cx="1440160" cy="936104"/>
+          </a:xfrm>
+          <a:prstGeom prst="rect">
+            <a:avLst/>
+          </a:prstGeom>
+          <a:solidFill>
+            <a:srgbClr val="FFC000"/>
+          </a:solidFill>
+        </p:spPr>
+        <p:style>
+          <a:lnRef idx="2">
+            <a:schemeClr val="accent1">
+              <a:shade val="50000"/>
+            </a:schemeClr>
+          </a:lnRef>
+          <a:fillRef idx="1">
+            <a:schemeClr val="accent1"/>
+          </a:fillRef>
+          <a:effectRef idx="0">
+            <a:schemeClr val="accent1"/>
+          </a:effectRef>
+          <a:fontRef idx="minor">
+            <a:schemeClr val="lt1"/>
+          </a:fontRef>
+        </p:style>
+        <p:txBody>
+          <a:bodyPr rtlCol="0" anchor="ctr"/>
+          <a:lstStyle/>
+          <a:p>
+            <a:pPr algn="ctr"/>
+            <a:r>
+              <a:rPr lang="en-US" altLang="ko-KR" sz="2000" smtClean="0">
+                <a:solidFill>
+                  <a:schemeClr val="tx1"/>
+                </a:solidFill>
+                <a:latin typeface="Consolas" pitchFamily="49" charset="0"/>
+                <a:cs typeface="Consolas" pitchFamily="49" charset="0"/>
+              </a:rPr>
+              <a:t>text</a:t>
+            </a:r>
+            <a:endParaRPr lang="ko-KR" altLang="en-US" sz="2000">
+              <a:solidFill>
+                <a:schemeClr val="tx1"/>
+              </a:solidFill>
+              <a:latin typeface="Consolas" pitchFamily="49" charset="0"/>
+              <a:cs typeface="Consolas" pitchFamily="49" charset="0"/>
+            </a:endParaRPr>
+          </a:p>
+        </p:txBody>
+      </p:sp>
+      <p:sp>
+        <p:nvSpPr>
+          <p:cNvPr id="7" name="직사각형 6"/>
+          <p:cNvSpPr/>
+          <p:nvPr/>
+        </p:nvSpPr>
+        <p:spPr>
+          <a:xfrm>
+            <a:off x="5580112" y="404664"/>
+            <a:ext cx="1440160" cy="4896544"/>
+          </a:xfrm>
+          <a:prstGeom prst="rect">
+            <a:avLst/>
+          </a:prstGeom>
+          <a:solidFill>
+            <a:srgbClr val="FFFF00"/>
+          </a:solidFill>
+        </p:spPr>
+        <p:style>
+          <a:lnRef idx="2">
+            <a:schemeClr val="accent1">
+              <a:shade val="50000"/>
+            </a:schemeClr>
+          </a:lnRef>
+          <a:fillRef idx="1">
+            <a:schemeClr val="accent1"/>
+          </a:fillRef>
+          <a:effectRef idx="0">
+            <a:schemeClr val="accent1"/>
+          </a:effectRef>
+          <a:fontRef idx="minor">
+            <a:schemeClr val="lt1"/>
+          </a:fontRef>
+        </p:style>
+        <p:txBody>
+          <a:bodyPr rtlCol="0" anchor="ctr"/>
+          <a:lstStyle/>
+          <a:p>
+            <a:pPr algn="ctr"/>
+            <a:endParaRPr lang="ko-KR" altLang="en-US" sz="2000">
+              <a:solidFill>
+                <a:schemeClr val="tx1"/>
+              </a:solidFill>
+              <a:latin typeface="Consolas" pitchFamily="49" charset="0"/>
+              <a:cs typeface="Consolas" pitchFamily="49" charset="0"/>
+            </a:endParaRPr>
+          </a:p>
+        </p:txBody>
+      </p:sp>
+      <p:sp>
+        <p:nvSpPr>
+          <p:cNvPr id="8" name="TextBox 7"/>
+          <p:cNvSpPr txBox="1"/>
+          <p:nvPr/>
+        </p:nvSpPr>
+        <p:spPr>
+          <a:xfrm>
+            <a:off x="5580112" y="5301208"/>
+            <a:ext cx="1454244" cy="400110"/>
+          </a:xfrm>
+          <a:prstGeom prst="rect">
+            <a:avLst/>
+          </a:prstGeom>
+          <a:noFill/>
+        </p:spPr>
+        <p:txBody>
+          <a:bodyPr wrap="none" rtlCol="0">
+            <a:spAutoFit/>
+          </a:bodyPr>
+          <a:lstStyle/>
+          <a:p>
+            <a:r>
+              <a:rPr lang="en-US" altLang="ko-KR" sz="2000" smtClean="0">
+                <a:latin typeface="Consolas" pitchFamily="49" charset="0"/>
+                <a:cs typeface="Consolas" pitchFamily="49" charset="0"/>
+              </a:rPr>
+              <a:t>B</a:t>
+            </a:r>
+            <a:r>
+              <a:rPr lang="en-US" altLang="ko-KR" sz="2000" smtClean="0">
+                <a:latin typeface="Consolas" pitchFamily="49" charset="0"/>
+                <a:cs typeface="Consolas" pitchFamily="49" charset="0"/>
+              </a:rPr>
+              <a:t> Process</a:t>
+            </a:r>
+            <a:endParaRPr lang="ko-KR" altLang="en-US" sz="2000" smtClean="0">
+              <a:latin typeface="Consolas" pitchFamily="49" charset="0"/>
+              <a:cs typeface="Consolas" pitchFamily="49" charset="0"/>
+            </a:endParaRPr>
+          </a:p>
+        </p:txBody>
+      </p:sp>
+      <p:sp>
+        <p:nvSpPr>
+          <p:cNvPr id="9" name="직사각형 8"/>
+          <p:cNvSpPr/>
+          <p:nvPr/>
+        </p:nvSpPr>
+        <p:spPr>
+          <a:xfrm>
+            <a:off x="5580112" y="908720"/>
+            <a:ext cx="1440160" cy="936104"/>
+          </a:xfrm>
+          <a:prstGeom prst="rect">
+            <a:avLst/>
+          </a:prstGeom>
+          <a:solidFill>
+            <a:srgbClr val="FFC000"/>
+          </a:solidFill>
+        </p:spPr>
+        <p:style>
+          <a:lnRef idx="2">
+            <a:schemeClr val="accent1">
+              <a:shade val="50000"/>
+            </a:schemeClr>
+          </a:lnRef>
+          <a:fillRef idx="1">
+            <a:schemeClr val="accent1"/>
+          </a:fillRef>
+          <a:effectRef idx="0">
+            <a:schemeClr val="accent1"/>
+          </a:effectRef>
+          <a:fontRef idx="minor">
+            <a:schemeClr val="lt1"/>
+          </a:fontRef>
+        </p:style>
+        <p:txBody>
+          <a:bodyPr rtlCol="0" anchor="ctr"/>
+          <a:lstStyle/>
+          <a:p>
+            <a:pPr algn="ctr"/>
+            <a:r>
+              <a:rPr lang="en-US" altLang="ko-KR" sz="2000" smtClean="0">
+                <a:solidFill>
+                  <a:schemeClr val="tx1"/>
+                </a:solidFill>
+                <a:latin typeface="Consolas" pitchFamily="49" charset="0"/>
+                <a:cs typeface="Consolas" pitchFamily="49" charset="0"/>
+              </a:rPr>
+              <a:t>text</a:t>
+            </a:r>
+            <a:endParaRPr lang="ko-KR" altLang="en-US" sz="2000">
+              <a:solidFill>
+                <a:schemeClr val="tx1"/>
+              </a:solidFill>
+              <a:latin typeface="Consolas" pitchFamily="49" charset="0"/>
+              <a:cs typeface="Consolas" pitchFamily="49" charset="0"/>
+            </a:endParaRPr>
+          </a:p>
+        </p:txBody>
+      </p:sp>
+      <p:sp>
+        <p:nvSpPr>
+          <p:cNvPr id="10" name="직사각형 9"/>
+          <p:cNvSpPr/>
+          <p:nvPr/>
+        </p:nvSpPr>
+        <p:spPr>
+          <a:xfrm>
+            <a:off x="3419872" y="332656"/>
+            <a:ext cx="1440160" cy="6192688"/>
+          </a:xfrm>
+          <a:prstGeom prst="rect">
+            <a:avLst/>
+          </a:prstGeom>
+          <a:solidFill>
+            <a:srgbClr val="FFFF00"/>
+          </a:solidFill>
+        </p:spPr>
+        <p:style>
+          <a:lnRef idx="2">
+            <a:schemeClr val="accent1">
+              <a:shade val="50000"/>
+            </a:schemeClr>
+          </a:lnRef>
+          <a:fillRef idx="1">
+            <a:schemeClr val="accent1"/>
+          </a:fillRef>
+          <a:effectRef idx="0">
+            <a:schemeClr val="accent1"/>
+          </a:effectRef>
+          <a:fontRef idx="minor">
+            <a:schemeClr val="lt1"/>
+          </a:fontRef>
+        </p:style>
+        <p:txBody>
+          <a:bodyPr rtlCol="0" anchor="ctr"/>
+          <a:lstStyle/>
+          <a:p>
+            <a:pPr algn="ctr"/>
+            <a:endParaRPr lang="ko-KR" altLang="en-US" sz="2000">
+              <a:solidFill>
+                <a:schemeClr val="tx1"/>
+              </a:solidFill>
+              <a:latin typeface="Consolas" pitchFamily="49" charset="0"/>
+              <a:cs typeface="Consolas" pitchFamily="49" charset="0"/>
+            </a:endParaRPr>
+          </a:p>
+        </p:txBody>
+      </p:sp>
+      <p:sp>
+        <p:nvSpPr>
+          <p:cNvPr id="11" name="직사각형 10"/>
+          <p:cNvSpPr/>
+          <p:nvPr/>
+        </p:nvSpPr>
+        <p:spPr>
+          <a:xfrm>
+            <a:off x="3419872" y="548680"/>
+            <a:ext cx="1440160" cy="936104"/>
+          </a:xfrm>
+          <a:prstGeom prst="rect">
+            <a:avLst/>
+          </a:prstGeom>
+          <a:solidFill>
+            <a:srgbClr val="FFC000"/>
+          </a:solidFill>
+        </p:spPr>
+        <p:style>
+          <a:lnRef idx="2">
+            <a:schemeClr val="accent1">
+              <a:shade val="50000"/>
+            </a:schemeClr>
+          </a:lnRef>
+          <a:fillRef idx="1">
+            <a:schemeClr val="accent1"/>
+          </a:fillRef>
+          <a:effectRef idx="0">
+            <a:schemeClr val="accent1"/>
+          </a:effectRef>
+          <a:fontRef idx="minor">
+            <a:schemeClr val="lt1"/>
+          </a:fontRef>
+        </p:style>
+        <p:txBody>
+          <a:bodyPr rtlCol="0" anchor="ctr"/>
+          <a:lstStyle/>
+          <a:p>
+            <a:pPr algn="ctr"/>
+            <a:r>
+              <a:rPr lang="en-US" altLang="ko-KR" sz="2000" smtClean="0">
+                <a:solidFill>
+                  <a:schemeClr val="tx1"/>
+                </a:solidFill>
+                <a:latin typeface="Consolas" pitchFamily="49" charset="0"/>
+                <a:cs typeface="Consolas" pitchFamily="49" charset="0"/>
+              </a:rPr>
+              <a:t>text</a:t>
+            </a:r>
+            <a:endParaRPr lang="ko-KR" altLang="en-US" sz="2000">
+              <a:solidFill>
+                <a:schemeClr val="tx1"/>
+              </a:solidFill>
+              <a:latin typeface="Consolas" pitchFamily="49" charset="0"/>
+              <a:cs typeface="Consolas" pitchFamily="49" charset="0"/>
+            </a:endParaRPr>
+          </a:p>
+        </p:txBody>
+      </p:sp>
+      <p:cxnSp>
+        <p:nvCxnSpPr>
+          <p:cNvPr id="15" name="직선 연결선 14"/>
+          <p:cNvCxnSpPr/>
+          <p:nvPr/>
+        </p:nvCxnSpPr>
+        <p:spPr>
+          <a:xfrm flipV="1">
+            <a:off x="2555776" y="548680"/>
+            <a:ext cx="864096" cy="360040"/>
+          </a:xfrm>
+          <a:prstGeom prst="line">
+            <a:avLst/>
+          </a:prstGeom>
+        </p:spPr>
+        <p:style>
+          <a:lnRef idx="2">
+            <a:schemeClr val="dk1"/>
+          </a:lnRef>
+          <a:fillRef idx="0">
+            <a:schemeClr val="dk1"/>
+          </a:fillRef>
+          <a:effectRef idx="1">
+            <a:schemeClr val="dk1"/>
+          </a:effectRef>
+          <a:fontRef idx="minor">
+            <a:schemeClr val="tx1"/>
+          </a:fontRef>
+        </p:style>
+      </p:cxnSp>
+      <p:cxnSp>
+        <p:nvCxnSpPr>
+          <p:cNvPr id="16" name="직선 연결선 15"/>
+          <p:cNvCxnSpPr/>
+          <p:nvPr/>
+        </p:nvCxnSpPr>
+        <p:spPr>
+          <a:xfrm flipV="1">
+            <a:off x="2555776" y="1484784"/>
+            <a:ext cx="864096" cy="360040"/>
+          </a:xfrm>
+          <a:prstGeom prst="line">
+            <a:avLst/>
+          </a:prstGeom>
+        </p:spPr>
+        <p:style>
+          <a:lnRef idx="2">
+            <a:schemeClr val="dk1"/>
+          </a:lnRef>
+          <a:fillRef idx="0">
+            <a:schemeClr val="dk1"/>
+          </a:fillRef>
+          <a:effectRef idx="1">
+            <a:schemeClr val="dk1"/>
+          </a:effectRef>
+          <a:fontRef idx="minor">
+            <a:schemeClr val="tx1"/>
+          </a:fontRef>
+        </p:style>
+      </p:cxnSp>
+      <p:cxnSp>
+        <p:nvCxnSpPr>
+          <p:cNvPr id="17" name="직선 연결선 16"/>
+          <p:cNvCxnSpPr/>
+          <p:nvPr/>
+        </p:nvCxnSpPr>
+        <p:spPr>
+          <a:xfrm>
+            <a:off x="4860032" y="548680"/>
+            <a:ext cx="720080" cy="360040"/>
+          </a:xfrm>
+          <a:prstGeom prst="line">
+            <a:avLst/>
+          </a:prstGeom>
+        </p:spPr>
+        <p:style>
+          <a:lnRef idx="2">
+            <a:schemeClr val="dk1"/>
+          </a:lnRef>
+          <a:fillRef idx="0">
+            <a:schemeClr val="dk1"/>
+          </a:fillRef>
+          <a:effectRef idx="1">
+            <a:schemeClr val="dk1"/>
+          </a:effectRef>
+          <a:fontRef idx="minor">
+            <a:schemeClr val="tx1"/>
+          </a:fontRef>
+        </p:style>
+      </p:cxnSp>
+      <p:cxnSp>
+        <p:nvCxnSpPr>
+          <p:cNvPr id="18" name="직선 연결선 17"/>
+          <p:cNvCxnSpPr/>
+          <p:nvPr/>
+        </p:nvCxnSpPr>
+        <p:spPr>
+          <a:xfrm>
+            <a:off x="4860032" y="1484784"/>
+            <a:ext cx="720080" cy="360040"/>
+          </a:xfrm>
+          <a:prstGeom prst="line">
+            <a:avLst/>
+          </a:prstGeom>
+        </p:spPr>
+        <p:style>
+          <a:lnRef idx="2">
+            <a:schemeClr val="dk1"/>
+          </a:lnRef>
+          <a:fillRef idx="0">
+            <a:schemeClr val="dk1"/>
+          </a:fillRef>
+          <a:effectRef idx="1">
+            <a:schemeClr val="dk1"/>
+          </a:effectRef>
+          <a:fontRef idx="minor">
+            <a:schemeClr val="tx1"/>
+          </a:fontRef>
+        </p:style>
+      </p:cxnSp>
+      <p:sp>
+        <p:nvSpPr>
+          <p:cNvPr id="28" name="직사각형 27"/>
+          <p:cNvSpPr/>
+          <p:nvPr/>
+        </p:nvSpPr>
+        <p:spPr>
+          <a:xfrm>
+            <a:off x="1115616" y="2276872"/>
+            <a:ext cx="1440160" cy="864096"/>
+          </a:xfrm>
+          <a:prstGeom prst="rect">
+            <a:avLst/>
+          </a:prstGeom>
+          <a:solidFill>
+            <a:srgbClr val="92D050"/>
+          </a:solidFill>
+        </p:spPr>
+        <p:style>
+          <a:lnRef idx="2">
+            <a:schemeClr val="accent1">
+              <a:shade val="50000"/>
+            </a:schemeClr>
+          </a:lnRef>
+          <a:fillRef idx="1">
+            <a:schemeClr val="accent1"/>
+          </a:fillRef>
+          <a:effectRef idx="0">
+            <a:schemeClr val="accent1"/>
+          </a:effectRef>
+          <a:fontRef idx="minor">
+            <a:schemeClr val="lt1"/>
+          </a:fontRef>
+        </p:style>
+        <p:txBody>
+          <a:bodyPr rtlCol="0" anchor="ctr"/>
+          <a:lstStyle/>
+          <a:p>
+            <a:pPr algn="ctr"/>
+            <a:r>
+              <a:rPr lang="en-US" altLang="ko-KR" sz="2000" smtClean="0">
+                <a:solidFill>
+                  <a:schemeClr val="tx1"/>
+                </a:solidFill>
+                <a:latin typeface="Consolas" pitchFamily="49" charset="0"/>
+                <a:cs typeface="Consolas" pitchFamily="49" charset="0"/>
+              </a:rPr>
+              <a:t>data</a:t>
+            </a:r>
+            <a:endParaRPr lang="ko-KR" altLang="en-US" sz="2000">
+              <a:solidFill>
+                <a:schemeClr val="tx1"/>
+              </a:solidFill>
+              <a:latin typeface="Consolas" pitchFamily="49" charset="0"/>
+              <a:cs typeface="Consolas" pitchFamily="49" charset="0"/>
+            </a:endParaRPr>
+          </a:p>
+        </p:txBody>
+      </p:sp>
+      <p:sp>
+        <p:nvSpPr>
+          <p:cNvPr id="30" name="직사각형 29"/>
+          <p:cNvSpPr/>
+          <p:nvPr/>
+        </p:nvSpPr>
+        <p:spPr>
+          <a:xfrm>
+            <a:off x="3419872" y="2132856"/>
+            <a:ext cx="1440160" cy="864096"/>
+          </a:xfrm>
+          <a:prstGeom prst="rect">
+            <a:avLst/>
+          </a:prstGeom>
+          <a:solidFill>
+            <a:srgbClr val="92D050"/>
+          </a:solidFill>
+        </p:spPr>
+        <p:style>
+          <a:lnRef idx="2">
+            <a:schemeClr val="accent1">
+              <a:shade val="50000"/>
+            </a:schemeClr>
+          </a:lnRef>
+          <a:fillRef idx="1">
+            <a:schemeClr val="accent1"/>
+          </a:fillRef>
+          <a:effectRef idx="0">
+            <a:schemeClr val="accent1"/>
+          </a:effectRef>
+          <a:fontRef idx="minor">
+            <a:schemeClr val="lt1"/>
+          </a:fontRef>
+        </p:style>
+        <p:txBody>
+          <a:bodyPr rtlCol="0" anchor="ctr"/>
+          <a:lstStyle/>
+          <a:p>
+            <a:pPr algn="ctr"/>
+            <a:r>
+              <a:rPr lang="en-US" altLang="ko-KR" sz="2000" smtClean="0">
+                <a:solidFill>
+                  <a:schemeClr val="tx1"/>
+                </a:solidFill>
+                <a:latin typeface="Consolas" pitchFamily="49" charset="0"/>
+                <a:cs typeface="Consolas" pitchFamily="49" charset="0"/>
+              </a:rPr>
+              <a:t>data</a:t>
+            </a:r>
+            <a:endParaRPr lang="ko-KR" altLang="en-US" sz="2000">
+              <a:solidFill>
+                <a:schemeClr val="tx1"/>
+              </a:solidFill>
+              <a:latin typeface="Consolas" pitchFamily="49" charset="0"/>
+              <a:cs typeface="Consolas" pitchFamily="49" charset="0"/>
+            </a:endParaRPr>
+          </a:p>
+        </p:txBody>
+      </p:sp>
+      <p:sp>
+        <p:nvSpPr>
+          <p:cNvPr id="31" name="직사각형 30"/>
+          <p:cNvSpPr/>
+          <p:nvPr/>
+        </p:nvSpPr>
+        <p:spPr>
+          <a:xfrm>
+            <a:off x="3419872" y="3717032"/>
+            <a:ext cx="1440160" cy="864096"/>
+          </a:xfrm>
+          <a:prstGeom prst="rect">
+            <a:avLst/>
+          </a:prstGeom>
+          <a:solidFill>
+            <a:srgbClr val="92D050"/>
+          </a:solidFill>
+        </p:spPr>
+        <p:style>
+          <a:lnRef idx="2">
+            <a:schemeClr val="accent1">
+              <a:shade val="50000"/>
+            </a:schemeClr>
+          </a:lnRef>
+          <a:fillRef idx="1">
+            <a:schemeClr val="accent1"/>
+          </a:fillRef>
+          <a:effectRef idx="0">
+            <a:schemeClr val="accent1"/>
+          </a:effectRef>
+          <a:fontRef idx="minor">
+            <a:schemeClr val="lt1"/>
+          </a:fontRef>
+        </p:style>
+        <p:txBody>
+          <a:bodyPr rtlCol="0" anchor="ctr"/>
+          <a:lstStyle/>
+          <a:p>
+            <a:pPr algn="ctr"/>
+            <a:r>
+              <a:rPr lang="en-US" altLang="ko-KR" sz="2000" smtClean="0">
+                <a:solidFill>
+                  <a:schemeClr val="tx1"/>
+                </a:solidFill>
+                <a:latin typeface="Consolas" pitchFamily="49" charset="0"/>
+                <a:cs typeface="Consolas" pitchFamily="49" charset="0"/>
+              </a:rPr>
+              <a:t>data</a:t>
+            </a:r>
+            <a:endParaRPr lang="ko-KR" altLang="en-US" sz="2000">
+              <a:solidFill>
+                <a:schemeClr val="tx1"/>
+              </a:solidFill>
+              <a:latin typeface="Consolas" pitchFamily="49" charset="0"/>
+              <a:cs typeface="Consolas" pitchFamily="49" charset="0"/>
+            </a:endParaRPr>
+          </a:p>
+        </p:txBody>
+      </p:sp>
+      <p:sp>
+        <p:nvSpPr>
+          <p:cNvPr id="32" name="직사각형 31"/>
+          <p:cNvSpPr/>
+          <p:nvPr/>
+        </p:nvSpPr>
+        <p:spPr>
+          <a:xfrm>
+            <a:off x="5580112" y="2276872"/>
+            <a:ext cx="1440160" cy="864096"/>
+          </a:xfrm>
+          <a:prstGeom prst="rect">
+            <a:avLst/>
+          </a:prstGeom>
+          <a:solidFill>
+            <a:srgbClr val="92D050"/>
+          </a:solidFill>
+        </p:spPr>
+        <p:style>
+          <a:lnRef idx="2">
+            <a:schemeClr val="accent1">
+              <a:shade val="50000"/>
+            </a:schemeClr>
+          </a:lnRef>
+          <a:fillRef idx="1">
+            <a:schemeClr val="accent1"/>
+          </a:fillRef>
+          <a:effectRef idx="0">
+            <a:schemeClr val="accent1"/>
+          </a:effectRef>
+          <a:fontRef idx="minor">
+            <a:schemeClr val="lt1"/>
+          </a:fontRef>
+        </p:style>
+        <p:txBody>
+          <a:bodyPr rtlCol="0" anchor="ctr"/>
+          <a:lstStyle/>
+          <a:p>
+            <a:pPr algn="ctr"/>
+            <a:r>
+              <a:rPr lang="en-US" altLang="ko-KR" sz="2000" smtClean="0">
+                <a:solidFill>
+                  <a:schemeClr val="tx1"/>
+                </a:solidFill>
+                <a:latin typeface="Consolas" pitchFamily="49" charset="0"/>
+                <a:cs typeface="Consolas" pitchFamily="49" charset="0"/>
+              </a:rPr>
+              <a:t>data</a:t>
+            </a:r>
+            <a:endParaRPr lang="ko-KR" altLang="en-US" sz="2000">
+              <a:solidFill>
+                <a:schemeClr val="tx1"/>
+              </a:solidFill>
+              <a:latin typeface="Consolas" pitchFamily="49" charset="0"/>
+              <a:cs typeface="Consolas" pitchFamily="49" charset="0"/>
+            </a:endParaRPr>
+          </a:p>
+        </p:txBody>
+      </p:sp>
+      <p:cxnSp>
+        <p:nvCxnSpPr>
+          <p:cNvPr id="34" name="직선 연결선 33"/>
+          <p:cNvCxnSpPr/>
+          <p:nvPr/>
+        </p:nvCxnSpPr>
+        <p:spPr>
+          <a:xfrm flipV="1">
+            <a:off x="2555776" y="2132856"/>
+            <a:ext cx="864096" cy="144016"/>
+          </a:xfrm>
+          <a:prstGeom prst="line">
+            <a:avLst/>
+          </a:prstGeom>
+        </p:spPr>
+        <p:style>
+          <a:lnRef idx="2">
+            <a:schemeClr val="dk1"/>
+          </a:lnRef>
+          <a:fillRef idx="0">
+            <a:schemeClr val="dk1"/>
+          </a:fillRef>
+          <a:effectRef idx="1">
+            <a:schemeClr val="dk1"/>
+          </a:effectRef>
+          <a:fontRef idx="minor">
+            <a:schemeClr val="tx1"/>
+          </a:fontRef>
+        </p:style>
+      </p:cxnSp>
+      <p:cxnSp>
+        <p:nvCxnSpPr>
+          <p:cNvPr id="35" name="직선 연결선 34"/>
+          <p:cNvCxnSpPr/>
+          <p:nvPr/>
+        </p:nvCxnSpPr>
+        <p:spPr>
+          <a:xfrm flipV="1">
+            <a:off x="2555776" y="2996952"/>
+            <a:ext cx="864096" cy="144016"/>
+          </a:xfrm>
+          <a:prstGeom prst="line">
+            <a:avLst/>
+          </a:prstGeom>
+        </p:spPr>
+        <p:style>
+          <a:lnRef idx="2">
+            <a:schemeClr val="dk1"/>
+          </a:lnRef>
+          <a:fillRef idx="0">
+            <a:schemeClr val="dk1"/>
+          </a:fillRef>
+          <a:effectRef idx="1">
+            <a:schemeClr val="dk1"/>
+          </a:effectRef>
+          <a:fontRef idx="minor">
+            <a:schemeClr val="tx1"/>
+          </a:fontRef>
+        </p:style>
+      </p:cxnSp>
+      <p:cxnSp>
+        <p:nvCxnSpPr>
+          <p:cNvPr id="42" name="직선 연결선 41"/>
+          <p:cNvCxnSpPr/>
+          <p:nvPr/>
+        </p:nvCxnSpPr>
+        <p:spPr>
+          <a:xfrm rot="5400000" flipH="1" flipV="1">
+            <a:off x="4499992" y="2636912"/>
+            <a:ext cx="1440160" cy="720080"/>
+          </a:xfrm>
+          <a:prstGeom prst="line">
+            <a:avLst/>
+          </a:prstGeom>
+        </p:spPr>
+        <p:style>
+          <a:lnRef idx="2">
+            <a:schemeClr val="dk1"/>
+          </a:lnRef>
+          <a:fillRef idx="0">
+            <a:schemeClr val="dk1"/>
+          </a:fillRef>
+          <a:effectRef idx="1">
+            <a:schemeClr val="dk1"/>
+          </a:effectRef>
+          <a:fontRef idx="minor">
+            <a:schemeClr val="tx1"/>
+          </a:fontRef>
+        </p:style>
+      </p:cxnSp>
+      <p:cxnSp>
+        <p:nvCxnSpPr>
+          <p:cNvPr id="43" name="직선 연결선 42"/>
+          <p:cNvCxnSpPr/>
+          <p:nvPr/>
+        </p:nvCxnSpPr>
+        <p:spPr>
+          <a:xfrm rot="5400000" flipH="1" flipV="1">
+            <a:off x="4535996" y="3465004"/>
+            <a:ext cx="1440160" cy="792088"/>
+          </a:xfrm>
+          <a:prstGeom prst="line">
+            <a:avLst/>
+          </a:prstGeom>
+        </p:spPr>
+        <p:style>
+          <a:lnRef idx="2">
+            <a:schemeClr val="dk1"/>
+          </a:lnRef>
+          <a:fillRef idx="0">
+            <a:schemeClr val="dk1"/>
+          </a:fillRef>
+          <a:effectRef idx="1">
+            <a:schemeClr val="dk1"/>
+          </a:effectRef>
+          <a:fontRef idx="minor">
+            <a:schemeClr val="tx1"/>
+          </a:fontRef>
+        </p:style>
+      </p:cxnSp>
+      <p:sp>
+        <p:nvSpPr>
+          <p:cNvPr id="54" name="TextBox 53"/>
+          <p:cNvSpPr txBox="1"/>
+          <p:nvPr/>
+        </p:nvSpPr>
+        <p:spPr>
+          <a:xfrm>
+            <a:off x="6156176" y="6021288"/>
+            <a:ext cx="2723823" cy="400110"/>
+          </a:xfrm>
+          <a:prstGeom prst="rect">
+            <a:avLst/>
+          </a:prstGeom>
+          <a:noFill/>
+        </p:spPr>
+        <p:txBody>
+          <a:bodyPr wrap="none" rtlCol="0">
+            <a:spAutoFit/>
+          </a:bodyPr>
+          <a:lstStyle/>
+          <a:p>
+            <a:r>
+              <a:rPr lang="en-US" altLang="ko-KR" sz="2000" smtClean="0">
+                <a:latin typeface="Consolas" pitchFamily="49" charset="0"/>
+                <a:cs typeface="Consolas" pitchFamily="49" charset="0"/>
+              </a:rPr>
+              <a:t>COW(Copy On Write)</a:t>
+            </a:r>
+          </a:p>
+        </p:txBody>
+      </p:sp>
+    </p:spTree>
+  </p:cSld>
+  <p:clrMapOvr>
+    <a:masterClrMapping/>
+  </p:clrMapOvr>
+</p:sld>
+</file>
+
+<file path=ppt/slides/slide21.xml><?xml version="1.0" encoding="utf-8"?>
+<p:sld xmlns:a="http://schemas.openxmlformats.org/drawingml/2006/main" xmlns:r="http://schemas.openxmlformats.org/officeDocument/2006/relationships" xmlns:p="http://schemas.openxmlformats.org/presentationml/2006/main">
+  <p:cSld>
+    <p:spTree>
+      <p:nvGrpSpPr>
+        <p:cNvPr id="1" name=""/>
+        <p:cNvGrpSpPr/>
+        <p:nvPr/>
+      </p:nvGrpSpPr>
+      <p:grpSpPr>
+        <a:xfrm>
+          <a:off x="0" y="0"/>
+          <a:ext cx="0" cy="0"/>
+          <a:chOff x="0" y="0"/>
+          <a:chExt cx="0" cy="0"/>
+        </a:xfrm>
+      </p:grpSpPr>
+      <p:sp>
+        <p:nvSpPr>
+          <p:cNvPr id="4" name="TextBox 3"/>
+          <p:cNvSpPr txBox="1"/>
+          <p:nvPr/>
+        </p:nvSpPr>
+        <p:spPr>
+          <a:xfrm>
+            <a:off x="-350907" y="548680"/>
+            <a:ext cx="9494907" cy="1938992"/>
+          </a:xfrm>
+          <a:prstGeom prst="rect">
+            <a:avLst/>
+          </a:prstGeom>
+          <a:noFill/>
+        </p:spPr>
+        <p:txBody>
+          <a:bodyPr wrap="none" rtlCol="0">
+            <a:spAutoFit/>
+          </a:bodyPr>
+          <a:lstStyle/>
+          <a:p>
+            <a:r>
+              <a:rPr lang="en-US" altLang="ko-KR" sz="2000" smtClean="0">
+                <a:latin typeface="Consolas" pitchFamily="49" charset="0"/>
+                <a:cs typeface="Consolas" pitchFamily="49" charset="0"/>
+              </a:rPr>
+              <a:t>PPID   PID  PGID   SID TTY      TPGID STAT   UID   </a:t>
+            </a:r>
+            <a:r>
+              <a:rPr lang="en-US" altLang="ko-KR" sz="2000" smtClean="0">
+                <a:latin typeface="Consolas" pitchFamily="49" charset="0"/>
+                <a:cs typeface="Consolas" pitchFamily="49" charset="0"/>
+              </a:rPr>
+              <a:t>TIME </a:t>
+            </a:r>
+            <a:r>
+              <a:rPr lang="en-US" altLang="ko-KR" sz="2000" smtClean="0">
+                <a:latin typeface="Consolas" pitchFamily="49" charset="0"/>
+                <a:cs typeface="Consolas" pitchFamily="49" charset="0"/>
+              </a:rPr>
+              <a:t>COMMAND</a:t>
+            </a:r>
+          </a:p>
+          <a:p>
+            <a:pPr marL="457200" indent="-457200">
+              <a:buAutoNum type="arabicPlain" startAt="1803"/>
+            </a:pPr>
+            <a:r>
+              <a:rPr lang="en-US" altLang="ko-KR" sz="2000" smtClean="0">
+                <a:latin typeface="Consolas" pitchFamily="49" charset="0"/>
+                <a:cs typeface="Consolas" pitchFamily="49" charset="0"/>
+              </a:rPr>
+              <a:t>  6564  </a:t>
+            </a:r>
+            <a:r>
+              <a:rPr lang="en-US" altLang="ko-KR" sz="2000" smtClean="0">
+                <a:latin typeface="Consolas" pitchFamily="49" charset="0"/>
+                <a:cs typeface="Consolas" pitchFamily="49" charset="0"/>
+              </a:rPr>
+              <a:t>6564  1803 pts/2     6565 S        0   0:00 </a:t>
+            </a:r>
+            <a:r>
+              <a:rPr lang="en-US" altLang="ko-KR" sz="2000" smtClean="0">
+                <a:latin typeface="Consolas" pitchFamily="49" charset="0"/>
+                <a:cs typeface="Consolas" pitchFamily="49" charset="0"/>
+              </a:rPr>
+              <a:t>sleep </a:t>
+            </a:r>
+            <a:r>
+              <a:rPr lang="en-US" altLang="ko-KR" sz="2000" smtClean="0">
+                <a:latin typeface="Consolas" pitchFamily="49" charset="0"/>
+                <a:cs typeface="Consolas" pitchFamily="49" charset="0"/>
+              </a:rPr>
+              <a:t>1000</a:t>
+            </a:r>
+          </a:p>
+          <a:p>
+            <a:pPr marL="457200" indent="-457200">
+              <a:buAutoNum type="arabicPlain" startAt="1803"/>
+            </a:pPr>
+            <a:endParaRPr lang="en-US" altLang="ko-KR" sz="2000" smtClean="0">
+              <a:latin typeface="Consolas" pitchFamily="49" charset="0"/>
+              <a:cs typeface="Consolas" pitchFamily="49" charset="0"/>
+            </a:endParaRPr>
+          </a:p>
+          <a:p>
+            <a:pPr marL="457200" indent="-457200"/>
+            <a:r>
+              <a:rPr lang="en-US" altLang="ko-KR" sz="2000" smtClean="0">
+                <a:latin typeface="Consolas" pitchFamily="49" charset="0"/>
+                <a:cs typeface="Consolas" pitchFamily="49" charset="0"/>
+              </a:rPr>
+              <a:t>1803  6566  6566  1803 pts/2     6566 R+       0   0:00 ps -xj</a:t>
+            </a:r>
+          </a:p>
+          <a:p>
+            <a:pPr marL="457200" indent="-457200"/>
+            <a:r>
+              <a:rPr lang="en-US" altLang="ko-KR" sz="2000" smtClean="0">
+                <a:latin typeface="Consolas" pitchFamily="49" charset="0"/>
+                <a:cs typeface="Consolas" pitchFamily="49" charset="0"/>
+              </a:rPr>
+              <a:t>1803  6567  6566  1803 pts/2     6566 D+       0   0:00 -bash</a:t>
+            </a:r>
+          </a:p>
+          <a:p>
+            <a:pPr marL="457200" indent="-457200"/>
+            <a:r>
+              <a:rPr lang="en-US" altLang="ko-KR" sz="2000" smtClean="0">
+                <a:latin typeface="Consolas" pitchFamily="49" charset="0"/>
+                <a:cs typeface="Consolas" pitchFamily="49" charset="0"/>
+              </a:rPr>
+              <a:t>1803  6568  6566  1803 pts/2     6566 D+       0   0:00 -bash</a:t>
+            </a:r>
+            <a:endParaRPr lang="en-US" altLang="ko-KR" sz="2000" smtClean="0">
               <a:latin typeface="Consolas" pitchFamily="49" charset="0"/>
               <a:cs typeface="Consolas" pitchFamily="49" charset="0"/>
             </a:endParaRPr>
@@ -31656,7 +34404,7 @@
         <p:spPr>
           <a:xfrm>
             <a:off x="251520" y="260648"/>
-            <a:ext cx="4737194" cy="400110"/>
+            <a:ext cx="6994222" cy="400110"/>
           </a:xfrm>
           <a:prstGeom prst="rect">
             <a:avLst/>
@@ -31688,7 +34436,14 @@
                 <a:latin typeface="Consolas" pitchFamily="49" charset="0"/>
                 <a:cs typeface="Consolas" pitchFamily="49" charset="0"/>
               </a:rPr>
-              <a:t>: 156.147.178.101</a:t>
+              <a:t>: </a:t>
+            </a:r>
+            <a:r>
+              <a:rPr lang="en-US" altLang="ko-KR" sz="2000" smtClean="0">
+                <a:latin typeface="Consolas" pitchFamily="49" charset="0"/>
+                <a:cs typeface="Consolas" pitchFamily="49" charset="0"/>
+              </a:rPr>
+              <a:t>156.147.178.107 / 192.168.0.100</a:t>
             </a:r>
             <a:endParaRPr lang="ko-KR" altLang="en-US" sz="2000" smtClean="0">
               <a:latin typeface="Consolas" pitchFamily="49" charset="0"/>
